--- a/documents/Group 7 Library Application Presentation.pptx
+++ b/documents/Group 7 Library Application Presentation.pptx
@@ -12,6 +12,8 @@
     <p:sldId id="260" r:id="rId6"/>
     <p:sldId id="261" r:id="rId7"/>
     <p:sldId id="262" r:id="rId8"/>
+    <p:sldId id="263" r:id="rId9"/>
+    <p:sldId id="264" r:id="rId10"/>
   </p:sldIdLst>
   <p:sldSz cx="12192000" cy="6858000"/>
   <p:notesSz cx="6858000" cy="9144000"/>
@@ -110,6 +112,11 @@
       </a:defRPr>
     </a:lvl9pPr>
   </p:defaultTextStyle>
+  <p:extLst>
+    <p:ext uri="{EFAFB233-063F-42B5-8137-9DF3F51BA10A}">
+      <p15:sldGuideLst xmlns:p15="http://schemas.microsoft.com/office/powerpoint/2012/main"/>
+    </p:ext>
+  </p:extLst>
 </p:presentation>
 </file>
 
@@ -14617,6 +14624,294 @@
 </p:sld>
 </file>
 
+<file path=ppt/slides/slide8.xml><?xml version="1.0" encoding="utf-8"?>
+<p:sld xmlns:a="http://schemas.openxmlformats.org/drawingml/2006/main" xmlns:r="http://schemas.openxmlformats.org/officeDocument/2006/relationships" xmlns:p="http://schemas.openxmlformats.org/presentationml/2006/main">
+  <p:cSld>
+    <p:spTree>
+      <p:nvGrpSpPr>
+        <p:cNvPr id="1" name=""/>
+        <p:cNvGrpSpPr/>
+        <p:nvPr/>
+      </p:nvGrpSpPr>
+      <p:grpSpPr>
+        <a:xfrm>
+          <a:off x="0" y="0"/>
+          <a:ext cx="0" cy="0"/>
+          <a:chOff x="0" y="0"/>
+          <a:chExt cx="0" cy="0"/>
+        </a:xfrm>
+      </p:grpSpPr>
+      <p:sp>
+        <p:nvSpPr>
+          <p:cNvPr id="2" name="Title 1">
+            <a:extLst>
+              <a:ext uri="{FF2B5EF4-FFF2-40B4-BE49-F238E27FC236}">
+                <a16:creationId xmlns:a16="http://schemas.microsoft.com/office/drawing/2014/main" id="{BADB940F-FCE0-BEC9-DC71-6D0A6C083FC1}"/>
+              </a:ext>
+            </a:extLst>
+          </p:cNvPr>
+          <p:cNvSpPr>
+            <a:spLocks noGrp="1"/>
+          </p:cNvSpPr>
+          <p:nvPr>
+            <p:ph type="title"/>
+          </p:nvPr>
+        </p:nvSpPr>
+        <p:spPr/>
+        <p:txBody>
+          <a:bodyPr/>
+          <a:lstStyle/>
+          <a:p>
+            <a:r>
+              <a:rPr lang="en-US" dirty="0"/>
+              <a:t>Thanks for listening</a:t>
+            </a:r>
+          </a:p>
+        </p:txBody>
+      </p:sp>
+      <p:pic>
+        <p:nvPicPr>
+          <p:cNvPr id="5" name="Content Placeholder 4" descr="A close-up of words&#10;&#10;Description automatically generated">
+            <a:extLst>
+              <a:ext uri="{FF2B5EF4-FFF2-40B4-BE49-F238E27FC236}">
+                <a16:creationId xmlns:a16="http://schemas.microsoft.com/office/drawing/2014/main" id="{8A06B371-DE1F-1721-4E04-08D5C0C958D1}"/>
+              </a:ext>
+            </a:extLst>
+          </p:cNvPr>
+          <p:cNvPicPr>
+            <a:picLocks noGrp="1" noChangeAspect="1"/>
+          </p:cNvPicPr>
+          <p:nvPr>
+            <p:ph idx="1"/>
+          </p:nvPr>
+        </p:nvPicPr>
+        <p:blipFill>
+          <a:blip r:embed="rId2">
+            <a:extLst>
+              <a:ext uri="{28A0092B-C50C-407E-A947-70E740481C1C}">
+                <a14:useLocalDpi xmlns:a14="http://schemas.microsoft.com/office/drawing/2010/main" val="0"/>
+              </a:ext>
+              <a:ext uri="{837473B0-CC2E-450A-ABE3-18F120FF3D39}">
+                <a1611:picAttrSrcUrl xmlns:a1611="http://schemas.microsoft.com/office/drawing/2016/11/main" r:id="rId3"/>
+              </a:ext>
+            </a:extLst>
+          </a:blip>
+          <a:stretch>
+            <a:fillRect/>
+          </a:stretch>
+        </p:blipFill>
+        <p:spPr>
+          <a:xfrm>
+            <a:off x="2242045" y="2011363"/>
+            <a:ext cx="7707910" cy="4160837"/>
+          </a:xfrm>
+        </p:spPr>
+      </p:pic>
+      <p:sp>
+        <p:nvSpPr>
+          <p:cNvPr id="6" name="TextBox 5">
+            <a:extLst>
+              <a:ext uri="{FF2B5EF4-FFF2-40B4-BE49-F238E27FC236}">
+                <a16:creationId xmlns:a16="http://schemas.microsoft.com/office/drawing/2014/main" id="{542BE010-7812-EDF9-5234-9D9D2BC46735}"/>
+              </a:ext>
+            </a:extLst>
+          </p:cNvPr>
+          <p:cNvSpPr txBox="1"/>
+          <p:nvPr/>
+        </p:nvSpPr>
+        <p:spPr>
+          <a:xfrm>
+            <a:off x="2242045" y="6172200"/>
+            <a:ext cx="7707910" cy="230832"/>
+          </a:xfrm>
+          <a:prstGeom prst="rect">
+            <a:avLst/>
+          </a:prstGeom>
+          <a:noFill/>
+        </p:spPr>
+        <p:txBody>
+          <a:bodyPr wrap="square" rtlCol="0">
+            <a:spAutoFit/>
+          </a:bodyPr>
+          <a:lstStyle/>
+          <a:p>
+            <a:r>
+              <a:rPr lang="en-US" sz="900">
+                <a:hlinkClick r:id="rId3" tooltip="https://en.wikiquote.org/wiki/Gratitude"/>
+              </a:rPr>
+              <a:t>This Photo</a:t>
+            </a:r>
+            <a:r>
+              <a:rPr lang="en-US" sz="900"/>
+              <a:t> by Unknown Author is licensed under </a:t>
+            </a:r>
+            <a:r>
+              <a:rPr lang="en-US" sz="900">
+                <a:hlinkClick r:id="rId4" tooltip="https://creativecommons.org/licenses/by-sa/3.0/"/>
+              </a:rPr>
+              <a:t>CC BY-SA</a:t>
+            </a:r>
+            <a:endParaRPr lang="en-US" sz="900"/>
+          </a:p>
+        </p:txBody>
+      </p:sp>
+    </p:spTree>
+    <p:extLst>
+      <p:ext uri="{BB962C8B-B14F-4D97-AF65-F5344CB8AC3E}">
+        <p14:creationId xmlns:p14="http://schemas.microsoft.com/office/powerpoint/2010/main" val="3921828870"/>
+      </p:ext>
+    </p:extLst>
+  </p:cSld>
+  <p:clrMapOvr>
+    <a:masterClrMapping/>
+  </p:clrMapOvr>
+</p:sld>
+</file>
+
+<file path=ppt/slides/slide9.xml><?xml version="1.0" encoding="utf-8"?>
+<p:sld xmlns:a="http://schemas.openxmlformats.org/drawingml/2006/main" xmlns:r="http://schemas.openxmlformats.org/officeDocument/2006/relationships" xmlns:p="http://schemas.openxmlformats.org/presentationml/2006/main">
+  <p:cSld>
+    <p:spTree>
+      <p:nvGrpSpPr>
+        <p:cNvPr id="1" name=""/>
+        <p:cNvGrpSpPr/>
+        <p:nvPr/>
+      </p:nvGrpSpPr>
+      <p:grpSpPr>
+        <a:xfrm>
+          <a:off x="0" y="0"/>
+          <a:ext cx="0" cy="0"/>
+          <a:chOff x="0" y="0"/>
+          <a:chExt cx="0" cy="0"/>
+        </a:xfrm>
+      </p:grpSpPr>
+      <p:sp>
+        <p:nvSpPr>
+          <p:cNvPr id="2" name="Title 1">
+            <a:extLst>
+              <a:ext uri="{FF2B5EF4-FFF2-40B4-BE49-F238E27FC236}">
+                <a16:creationId xmlns:a16="http://schemas.microsoft.com/office/drawing/2014/main" id="{32BAC5D0-72A4-07D3-3AB1-31835733F940}"/>
+              </a:ext>
+            </a:extLst>
+          </p:cNvPr>
+          <p:cNvSpPr>
+            <a:spLocks noGrp="1"/>
+          </p:cNvSpPr>
+          <p:nvPr>
+            <p:ph type="title"/>
+          </p:nvPr>
+        </p:nvSpPr>
+        <p:spPr/>
+        <p:txBody>
+          <a:bodyPr/>
+          <a:lstStyle/>
+          <a:p>
+            <a:r>
+              <a:rPr lang="en-US" dirty="0"/>
+              <a:t>Q&amp;A</a:t>
+            </a:r>
+          </a:p>
+        </p:txBody>
+      </p:sp>
+      <p:pic>
+        <p:nvPicPr>
+          <p:cNvPr id="7" name="Content Placeholder 6" descr="A baby making a face&#10;&#10;Description automatically generated">
+            <a:extLst>
+              <a:ext uri="{FF2B5EF4-FFF2-40B4-BE49-F238E27FC236}">
+                <a16:creationId xmlns:a16="http://schemas.microsoft.com/office/drawing/2014/main" id="{D91234D0-A463-8503-EFCC-62B1A1D07922}"/>
+              </a:ext>
+            </a:extLst>
+          </p:cNvPr>
+          <p:cNvPicPr>
+            <a:picLocks noGrp="1" noChangeAspect="1"/>
+          </p:cNvPicPr>
+          <p:nvPr>
+            <p:ph idx="1"/>
+          </p:nvPr>
+        </p:nvPicPr>
+        <p:blipFill>
+          <a:blip r:embed="rId2">
+            <a:extLst>
+              <a:ext uri="{28A0092B-C50C-407E-A947-70E740481C1C}">
+                <a14:useLocalDpi xmlns:a14="http://schemas.microsoft.com/office/drawing/2010/main" val="0"/>
+              </a:ext>
+              <a:ext uri="{837473B0-CC2E-450A-ABE3-18F120FF3D39}">
+                <a1611:picAttrSrcUrl xmlns:a1611="http://schemas.microsoft.com/office/drawing/2016/11/main" r:id="rId3"/>
+              </a:ext>
+            </a:extLst>
+          </a:blip>
+          <a:stretch>
+            <a:fillRect/>
+          </a:stretch>
+        </p:blipFill>
+        <p:spPr>
+          <a:xfrm>
+            <a:off x="4345404" y="2011363"/>
+            <a:ext cx="3501192" cy="4160837"/>
+          </a:xfrm>
+        </p:spPr>
+      </p:pic>
+      <p:sp>
+        <p:nvSpPr>
+          <p:cNvPr id="8" name="TextBox 7">
+            <a:extLst>
+              <a:ext uri="{FF2B5EF4-FFF2-40B4-BE49-F238E27FC236}">
+                <a16:creationId xmlns:a16="http://schemas.microsoft.com/office/drawing/2014/main" id="{4F50C0A4-8391-C485-6BC4-23FC866F51D4}"/>
+              </a:ext>
+            </a:extLst>
+          </p:cNvPr>
+          <p:cNvSpPr txBox="1"/>
+          <p:nvPr/>
+        </p:nvSpPr>
+        <p:spPr>
+          <a:xfrm>
+            <a:off x="4345404" y="6172200"/>
+            <a:ext cx="3501192" cy="230832"/>
+          </a:xfrm>
+          <a:prstGeom prst="rect">
+            <a:avLst/>
+          </a:prstGeom>
+          <a:noFill/>
+        </p:spPr>
+        <p:txBody>
+          <a:bodyPr wrap="square" rtlCol="0">
+            <a:spAutoFit/>
+          </a:bodyPr>
+          <a:lstStyle/>
+          <a:p>
+            <a:r>
+              <a:rPr lang="en-US" sz="900">
+                <a:hlinkClick r:id="rId3" tooltip="https://www.scavengerlife.com/2014/04/mid-week-q-open-thread-6/"/>
+              </a:rPr>
+              <a:t>This Photo</a:t>
+            </a:r>
+            <a:r>
+              <a:rPr lang="en-US" sz="900"/>
+              <a:t> by Unknown Author is licensed under </a:t>
+            </a:r>
+            <a:r>
+              <a:rPr lang="en-US" sz="900">
+                <a:hlinkClick r:id="rId4" tooltip="https://creativecommons.org/licenses/by-nc/3.0/"/>
+              </a:rPr>
+              <a:t>CC BY-NC</a:t>
+            </a:r>
+            <a:endParaRPr lang="en-US" sz="900"/>
+          </a:p>
+        </p:txBody>
+      </p:sp>
+    </p:spTree>
+    <p:extLst>
+      <p:ext uri="{BB962C8B-B14F-4D97-AF65-F5344CB8AC3E}">
+        <p14:creationId xmlns:p14="http://schemas.microsoft.com/office/powerpoint/2010/main" val="337512895"/>
+      </p:ext>
+    </p:extLst>
+  </p:cSld>
+  <p:clrMapOvr>
+    <a:masterClrMapping/>
+  </p:clrMapOvr>
+</p:sld>
+</file>
+
 <file path=ppt/theme/theme1.xml><?xml version="1.0" encoding="utf-8"?>
 <a:theme xmlns:a="http://schemas.openxmlformats.org/drawingml/2006/main" name="BrushVTI">
   <a:themeElements>

--- a/documents/Group 7 Library Application Presentation.pptx
+++ b/documents/Group 7 Library Application Presentation.pptx
@@ -14607,7 +14607,29 @@
           <a:bodyPr/>
           <a:lstStyle/>
           <a:p>
-            <a:endParaRPr lang="en-US"/>
+            <a:r>
+              <a:rPr lang="en-US" dirty="0"/>
+              <a:t>JDK 22</a:t>
+            </a:r>
+          </a:p>
+          <a:p>
+            <a:r>
+              <a:rPr lang="en-US"/>
+              <a:t>IDE: IntelliJ</a:t>
+            </a:r>
+            <a:endParaRPr lang="en-US" dirty="0"/>
+          </a:p>
+          <a:p>
+            <a:r>
+              <a:rPr lang="en-US" dirty="0">
+                <a:hlinkClick r:id="rId2"/>
+              </a:rPr>
+              <a:t>https://github.com/venturousman/miu-mpp-library</a:t>
+            </a:r>
+            <a:endParaRPr lang="en-US" dirty="0"/>
+          </a:p>
+          <a:p>
+            <a:endParaRPr lang="en-US" dirty="0"/>
           </a:p>
         </p:txBody>
       </p:sp>

--- a/documents/Group 7 Library Application Presentation.pptx
+++ b/documents/Group 7 Library Application Presentation.pptx
@@ -2467,7 +2467,7 @@
           <a:p>
             <a:fld id="{3C04E684-10F4-4CC3-A0B9-F03AA7BE37CF}" type="datetimeFigureOut">
               <a:rPr lang="en-US" smtClean="0"/>
-              <a:t>9/10/2024</a:t>
+              <a:t>9/11/2024</a:t>
             </a:fld>
             <a:endParaRPr lang="en-US"/>
           </a:p>
@@ -4957,7 +4957,7 @@
           <a:p>
             <a:fld id="{3C04E684-10F4-4CC3-A0B9-F03AA7BE37CF}" type="datetimeFigureOut">
               <a:rPr lang="en-US" smtClean="0"/>
-              <a:t>9/10/2024</a:t>
+              <a:t>9/11/2024</a:t>
             </a:fld>
             <a:endParaRPr lang="en-US"/>
           </a:p>
@@ -5155,7 +5155,7 @@
           <a:p>
             <a:fld id="{3C04E684-10F4-4CC3-A0B9-F03AA7BE37CF}" type="datetimeFigureOut">
               <a:rPr lang="en-US" smtClean="0"/>
-              <a:t>9/10/2024</a:t>
+              <a:t>9/11/2024</a:t>
             </a:fld>
             <a:endParaRPr lang="en-US"/>
           </a:p>
@@ -5363,7 +5363,7 @@
           <a:p>
             <a:fld id="{3C04E684-10F4-4CC3-A0B9-F03AA7BE37CF}" type="datetimeFigureOut">
               <a:rPr lang="en-US" smtClean="0"/>
-              <a:t>9/10/2024</a:t>
+              <a:t>9/11/2024</a:t>
             </a:fld>
             <a:endParaRPr lang="en-US"/>
           </a:p>
@@ -6100,7 +6100,7 @@
           <a:p>
             <a:fld id="{3C04E684-10F4-4CC3-A0B9-F03AA7BE37CF}" type="datetimeFigureOut">
               <a:rPr lang="en-US" smtClean="0"/>
-              <a:t>9/10/2024</a:t>
+              <a:t>9/11/2024</a:t>
             </a:fld>
             <a:endParaRPr lang="en-US"/>
           </a:p>
@@ -6742,7 +6742,7 @@
           <a:p>
             <a:fld id="{3C04E684-10F4-4CC3-A0B9-F03AA7BE37CF}" type="datetimeFigureOut">
               <a:rPr lang="en-US" smtClean="0"/>
-              <a:t>9/10/2024</a:t>
+              <a:t>9/11/2024</a:t>
             </a:fld>
             <a:endParaRPr lang="en-US"/>
           </a:p>
@@ -7542,7 +7542,7 @@
           <a:p>
             <a:fld id="{3C04E684-10F4-4CC3-A0B9-F03AA7BE37CF}" type="datetimeFigureOut">
               <a:rPr lang="en-US" smtClean="0"/>
-              <a:t>9/10/2024</a:t>
+              <a:t>9/11/2024</a:t>
             </a:fld>
             <a:endParaRPr lang="en-US"/>
           </a:p>
@@ -8493,7 +8493,7 @@
           <a:p>
             <a:fld id="{3C04E684-10F4-4CC3-A0B9-F03AA7BE37CF}" type="datetimeFigureOut">
               <a:rPr lang="en-US" smtClean="0"/>
-              <a:t>9/10/2024</a:t>
+              <a:t>9/11/2024</a:t>
             </a:fld>
             <a:endParaRPr lang="en-US"/>
           </a:p>
@@ -10842,7 +10842,7 @@
           <a:p>
             <a:fld id="{3C04E684-10F4-4CC3-A0B9-F03AA7BE37CF}" type="datetimeFigureOut">
               <a:rPr lang="en-US" smtClean="0"/>
-              <a:t>9/10/2024</a:t>
+              <a:t>9/11/2024</a:t>
             </a:fld>
             <a:endParaRPr lang="en-US"/>
           </a:p>
@@ -10955,7 +10955,7 @@
           <a:p>
             <a:fld id="{3C04E684-10F4-4CC3-A0B9-F03AA7BE37CF}" type="datetimeFigureOut">
               <a:rPr lang="en-US" smtClean="0"/>
-              <a:t>9/10/2024</a:t>
+              <a:t>9/11/2024</a:t>
             </a:fld>
             <a:endParaRPr lang="en-US"/>
           </a:p>
@@ -11462,7 +11462,7 @@
           <a:p>
             <a:fld id="{3C04E684-10F4-4CC3-A0B9-F03AA7BE37CF}" type="datetimeFigureOut">
               <a:rPr lang="en-US" smtClean="0"/>
-              <a:t>9/10/2024</a:t>
+              <a:t>9/11/2024</a:t>
             </a:fld>
             <a:endParaRPr lang="en-US"/>
           </a:p>
@@ -12765,7 +12765,7 @@
           <a:p>
             <a:fld id="{3C04E684-10F4-4CC3-A0B9-F03AA7BE37CF}" type="datetimeFigureOut">
               <a:rPr lang="en-US" smtClean="0"/>
-              <a:t>9/10/2024</a:t>
+              <a:t>9/11/2024</a:t>
             </a:fld>
             <a:endParaRPr lang="en-US"/>
           </a:p>
@@ -13012,7 +13012,7 @@
           <a:p>
             <a:fld id="{3C04E684-10F4-4CC3-A0B9-F03AA7BE37CF}" type="datetimeFigureOut">
               <a:rPr lang="en-US" smtClean="0"/>
-              <a:t>9/10/2024</a:t>
+              <a:t>9/11/2024</a:t>
             </a:fld>
             <a:endParaRPr lang="en-US"/>
           </a:p>
@@ -14066,8 +14066,8 @@
           <a:lstStyle/>
           <a:p>
             <a:r>
-              <a:rPr lang="en-US" sz="1600" dirty="0"/>
-              <a:t>Jeffery </a:t>
+              <a:rPr lang="en-US" sz="1600"/>
+              <a:t>Jeffrey </a:t>
             </a:r>
             <a:r>
               <a:rPr lang="en-US" sz="1600" dirty="0" err="1"/>

--- a/documents/Group 7 Library Application Presentation.pptx
+++ b/documents/Group 7 Library Application Presentation.pptx
@@ -11,9 +11,10 @@
     <p:sldId id="259" r:id="rId5"/>
     <p:sldId id="260" r:id="rId6"/>
     <p:sldId id="261" r:id="rId7"/>
-    <p:sldId id="262" r:id="rId8"/>
-    <p:sldId id="263" r:id="rId9"/>
-    <p:sldId id="264" r:id="rId10"/>
+    <p:sldId id="265" r:id="rId8"/>
+    <p:sldId id="262" r:id="rId9"/>
+    <p:sldId id="263" r:id="rId10"/>
+    <p:sldId id="264" r:id="rId11"/>
   </p:sldIdLst>
   <p:sldSz cx="12192000" cy="6858000"/>
   <p:notesSz cx="6858000" cy="9144000"/>
@@ -2467,7 +2468,7 @@
           <a:p>
             <a:fld id="{3C04E684-10F4-4CC3-A0B9-F03AA7BE37CF}" type="datetimeFigureOut">
               <a:rPr lang="en-US" smtClean="0"/>
-              <a:t>9/11/2024</a:t>
+              <a:t>9/13/2024</a:t>
             </a:fld>
             <a:endParaRPr lang="en-US"/>
           </a:p>
@@ -4957,7 +4958,7 @@
           <a:p>
             <a:fld id="{3C04E684-10F4-4CC3-A0B9-F03AA7BE37CF}" type="datetimeFigureOut">
               <a:rPr lang="en-US" smtClean="0"/>
-              <a:t>9/11/2024</a:t>
+              <a:t>9/13/2024</a:t>
             </a:fld>
             <a:endParaRPr lang="en-US"/>
           </a:p>
@@ -5155,7 +5156,7 @@
           <a:p>
             <a:fld id="{3C04E684-10F4-4CC3-A0B9-F03AA7BE37CF}" type="datetimeFigureOut">
               <a:rPr lang="en-US" smtClean="0"/>
-              <a:t>9/11/2024</a:t>
+              <a:t>9/13/2024</a:t>
             </a:fld>
             <a:endParaRPr lang="en-US"/>
           </a:p>
@@ -5363,7 +5364,7 @@
           <a:p>
             <a:fld id="{3C04E684-10F4-4CC3-A0B9-F03AA7BE37CF}" type="datetimeFigureOut">
               <a:rPr lang="en-US" smtClean="0"/>
-              <a:t>9/11/2024</a:t>
+              <a:t>9/13/2024</a:t>
             </a:fld>
             <a:endParaRPr lang="en-US"/>
           </a:p>
@@ -6100,7 +6101,7 @@
           <a:p>
             <a:fld id="{3C04E684-10F4-4CC3-A0B9-F03AA7BE37CF}" type="datetimeFigureOut">
               <a:rPr lang="en-US" smtClean="0"/>
-              <a:t>9/11/2024</a:t>
+              <a:t>9/13/2024</a:t>
             </a:fld>
             <a:endParaRPr lang="en-US"/>
           </a:p>
@@ -6742,7 +6743,7 @@
           <a:p>
             <a:fld id="{3C04E684-10F4-4CC3-A0B9-F03AA7BE37CF}" type="datetimeFigureOut">
               <a:rPr lang="en-US" smtClean="0"/>
-              <a:t>9/11/2024</a:t>
+              <a:t>9/13/2024</a:t>
             </a:fld>
             <a:endParaRPr lang="en-US"/>
           </a:p>
@@ -7542,7 +7543,7 @@
           <a:p>
             <a:fld id="{3C04E684-10F4-4CC3-A0B9-F03AA7BE37CF}" type="datetimeFigureOut">
               <a:rPr lang="en-US" smtClean="0"/>
-              <a:t>9/11/2024</a:t>
+              <a:t>9/13/2024</a:t>
             </a:fld>
             <a:endParaRPr lang="en-US"/>
           </a:p>
@@ -8493,7 +8494,7 @@
           <a:p>
             <a:fld id="{3C04E684-10F4-4CC3-A0B9-F03AA7BE37CF}" type="datetimeFigureOut">
               <a:rPr lang="en-US" smtClean="0"/>
-              <a:t>9/11/2024</a:t>
+              <a:t>9/13/2024</a:t>
             </a:fld>
             <a:endParaRPr lang="en-US"/>
           </a:p>
@@ -10842,7 +10843,7 @@
           <a:p>
             <a:fld id="{3C04E684-10F4-4CC3-A0B9-F03AA7BE37CF}" type="datetimeFigureOut">
               <a:rPr lang="en-US" smtClean="0"/>
-              <a:t>9/11/2024</a:t>
+              <a:t>9/13/2024</a:t>
             </a:fld>
             <a:endParaRPr lang="en-US"/>
           </a:p>
@@ -10955,7 +10956,7 @@
           <a:p>
             <a:fld id="{3C04E684-10F4-4CC3-A0B9-F03AA7BE37CF}" type="datetimeFigureOut">
               <a:rPr lang="en-US" smtClean="0"/>
-              <a:t>9/11/2024</a:t>
+              <a:t>9/13/2024</a:t>
             </a:fld>
             <a:endParaRPr lang="en-US"/>
           </a:p>
@@ -11462,7 +11463,7 @@
           <a:p>
             <a:fld id="{3C04E684-10F4-4CC3-A0B9-F03AA7BE37CF}" type="datetimeFigureOut">
               <a:rPr lang="en-US" smtClean="0"/>
-              <a:t>9/11/2024</a:t>
+              <a:t>9/13/2024</a:t>
             </a:fld>
             <a:endParaRPr lang="en-US"/>
           </a:p>
@@ -12765,7 +12766,7 @@
           <a:p>
             <a:fld id="{3C04E684-10F4-4CC3-A0B9-F03AA7BE37CF}" type="datetimeFigureOut">
               <a:rPr lang="en-US" smtClean="0"/>
-              <a:t>9/11/2024</a:t>
+              <a:t>9/13/2024</a:t>
             </a:fld>
             <a:endParaRPr lang="en-US"/>
           </a:p>
@@ -13012,7 +13013,7 @@
           <a:p>
             <a:fld id="{3C04E684-10F4-4CC3-A0B9-F03AA7BE37CF}" type="datetimeFigureOut">
               <a:rPr lang="en-US" smtClean="0"/>
-              <a:t>9/11/2024</a:t>
+              <a:t>9/13/2024</a:t>
             </a:fld>
             <a:endParaRPr lang="en-US"/>
           </a:p>
@@ -14116,6 +14117,150 @@
 </p:sld>
 </file>
 
+<file path=ppt/slides/slide10.xml><?xml version="1.0" encoding="utf-8"?>
+<p:sld xmlns:a="http://schemas.openxmlformats.org/drawingml/2006/main" xmlns:r="http://schemas.openxmlformats.org/officeDocument/2006/relationships" xmlns:p="http://schemas.openxmlformats.org/presentationml/2006/main">
+  <p:cSld>
+    <p:spTree>
+      <p:nvGrpSpPr>
+        <p:cNvPr id="1" name=""/>
+        <p:cNvGrpSpPr/>
+        <p:nvPr/>
+      </p:nvGrpSpPr>
+      <p:grpSpPr>
+        <a:xfrm>
+          <a:off x="0" y="0"/>
+          <a:ext cx="0" cy="0"/>
+          <a:chOff x="0" y="0"/>
+          <a:chExt cx="0" cy="0"/>
+        </a:xfrm>
+      </p:grpSpPr>
+      <p:sp>
+        <p:nvSpPr>
+          <p:cNvPr id="2" name="Title 1">
+            <a:extLst>
+              <a:ext uri="{FF2B5EF4-FFF2-40B4-BE49-F238E27FC236}">
+                <a16:creationId xmlns:a16="http://schemas.microsoft.com/office/drawing/2014/main" id="{32BAC5D0-72A4-07D3-3AB1-31835733F940}"/>
+              </a:ext>
+            </a:extLst>
+          </p:cNvPr>
+          <p:cNvSpPr>
+            <a:spLocks noGrp="1"/>
+          </p:cNvSpPr>
+          <p:nvPr>
+            <p:ph type="title"/>
+          </p:nvPr>
+        </p:nvSpPr>
+        <p:spPr/>
+        <p:txBody>
+          <a:bodyPr/>
+          <a:lstStyle/>
+          <a:p>
+            <a:r>
+              <a:rPr lang="en-US" dirty="0"/>
+              <a:t>Q&amp;A</a:t>
+            </a:r>
+          </a:p>
+        </p:txBody>
+      </p:sp>
+      <p:pic>
+        <p:nvPicPr>
+          <p:cNvPr id="7" name="Content Placeholder 6" descr="A baby making a face&#10;&#10;Description automatically generated">
+            <a:extLst>
+              <a:ext uri="{FF2B5EF4-FFF2-40B4-BE49-F238E27FC236}">
+                <a16:creationId xmlns:a16="http://schemas.microsoft.com/office/drawing/2014/main" id="{D91234D0-A463-8503-EFCC-62B1A1D07922}"/>
+              </a:ext>
+            </a:extLst>
+          </p:cNvPr>
+          <p:cNvPicPr>
+            <a:picLocks noGrp="1" noChangeAspect="1"/>
+          </p:cNvPicPr>
+          <p:nvPr>
+            <p:ph idx="1"/>
+          </p:nvPr>
+        </p:nvPicPr>
+        <p:blipFill>
+          <a:blip r:embed="rId2">
+            <a:extLst>
+              <a:ext uri="{28A0092B-C50C-407E-A947-70E740481C1C}">
+                <a14:useLocalDpi xmlns:a14="http://schemas.microsoft.com/office/drawing/2010/main" val="0"/>
+              </a:ext>
+              <a:ext uri="{837473B0-CC2E-450A-ABE3-18F120FF3D39}">
+                <a1611:picAttrSrcUrl xmlns:a1611="http://schemas.microsoft.com/office/drawing/2016/11/main" r:id="rId3"/>
+              </a:ext>
+            </a:extLst>
+          </a:blip>
+          <a:stretch>
+            <a:fillRect/>
+          </a:stretch>
+        </p:blipFill>
+        <p:spPr>
+          <a:xfrm>
+            <a:off x="4345404" y="2011363"/>
+            <a:ext cx="3501192" cy="4160837"/>
+          </a:xfrm>
+        </p:spPr>
+      </p:pic>
+      <p:sp>
+        <p:nvSpPr>
+          <p:cNvPr id="8" name="TextBox 7">
+            <a:extLst>
+              <a:ext uri="{FF2B5EF4-FFF2-40B4-BE49-F238E27FC236}">
+                <a16:creationId xmlns:a16="http://schemas.microsoft.com/office/drawing/2014/main" id="{4F50C0A4-8391-C485-6BC4-23FC866F51D4}"/>
+              </a:ext>
+            </a:extLst>
+          </p:cNvPr>
+          <p:cNvSpPr txBox="1"/>
+          <p:nvPr/>
+        </p:nvSpPr>
+        <p:spPr>
+          <a:xfrm>
+            <a:off x="4345404" y="6172200"/>
+            <a:ext cx="3501192" cy="230832"/>
+          </a:xfrm>
+          <a:prstGeom prst="rect">
+            <a:avLst/>
+          </a:prstGeom>
+          <a:noFill/>
+        </p:spPr>
+        <p:txBody>
+          <a:bodyPr wrap="square" rtlCol="0">
+            <a:spAutoFit/>
+          </a:bodyPr>
+          <a:lstStyle/>
+          <a:p>
+            <a:r>
+              <a:rPr lang="en-US" sz="900">
+                <a:hlinkClick r:id="rId3" tooltip="https://www.scavengerlife.com/2014/04/mid-week-q-open-thread-6/"/>
+              </a:rPr>
+              <a:t>This Photo</a:t>
+            </a:r>
+            <a:r>
+              <a:rPr lang="en-US" sz="900"/>
+              <a:t> by Unknown Author is licensed under </a:t>
+            </a:r>
+            <a:r>
+              <a:rPr lang="en-US" sz="900">
+                <a:hlinkClick r:id="rId4" tooltip="https://creativecommons.org/licenses/by-nc/3.0/"/>
+              </a:rPr>
+              <a:t>CC BY-NC</a:t>
+            </a:r>
+            <a:endParaRPr lang="en-US" sz="900"/>
+          </a:p>
+        </p:txBody>
+      </p:sp>
+    </p:spTree>
+    <p:extLst>
+      <p:ext uri="{BB962C8B-B14F-4D97-AF65-F5344CB8AC3E}">
+        <p14:creationId xmlns:p14="http://schemas.microsoft.com/office/powerpoint/2010/main" val="337512895"/>
+      </p:ext>
+    </p:extLst>
+  </p:cSld>
+  <p:clrMapOvr>
+    <a:masterClrMapping/>
+  </p:clrMapOvr>
+</p:sld>
+</file>
+
 <file path=ppt/slides/slide2.xml><?xml version="1.0" encoding="utf-8"?>
 <p:sld xmlns:a="http://schemas.openxmlformats.org/drawingml/2006/main" xmlns:r="http://schemas.openxmlformats.org/officeDocument/2006/relationships" xmlns:p="http://schemas.openxmlformats.org/presentationml/2006/main">
   <p:cSld>
@@ -14161,31 +14306,41 @@
           </a:p>
         </p:txBody>
       </p:sp>
-      <p:sp>
-        <p:nvSpPr>
-          <p:cNvPr id="3" name="Content Placeholder 2">
+      <p:pic>
+        <p:nvPicPr>
+          <p:cNvPr id="5" name="Content Placeholder 4" descr="A diagram of a network&#10;&#10;Description automatically generated">
             <a:extLst>
               <a:ext uri="{FF2B5EF4-FFF2-40B4-BE49-F238E27FC236}">
-                <a16:creationId xmlns:a16="http://schemas.microsoft.com/office/drawing/2014/main" id="{2FC52640-327F-01FB-D31A-F783112310A7}"/>
+                <a16:creationId xmlns:a16="http://schemas.microsoft.com/office/drawing/2014/main" id="{6EB91276-2D35-ABD1-6AC0-D02E1B839159}"/>
               </a:ext>
             </a:extLst>
           </p:cNvPr>
-          <p:cNvSpPr>
-            <a:spLocks noGrp="1"/>
-          </p:cNvSpPr>
+          <p:cNvPicPr>
+            <a:picLocks noGrp="1" noChangeAspect="1"/>
+          </p:cNvPicPr>
           <p:nvPr>
             <p:ph idx="1"/>
           </p:nvPr>
-        </p:nvSpPr>
-        <p:spPr/>
-        <p:txBody>
-          <a:bodyPr/>
-          <a:lstStyle/>
-          <a:p>
-            <a:endParaRPr lang="en-US"/>
-          </a:p>
-        </p:txBody>
-      </p:sp>
+        </p:nvPicPr>
+        <p:blipFill>
+          <a:blip r:embed="rId2">
+            <a:extLst>
+              <a:ext uri="{28A0092B-C50C-407E-A947-70E740481C1C}">
+                <a14:useLocalDpi xmlns:a14="http://schemas.microsoft.com/office/drawing/2010/main" val="0"/>
+              </a:ext>
+            </a:extLst>
+          </a:blip>
+          <a:stretch>
+            <a:fillRect/>
+          </a:stretch>
+        </p:blipFill>
+        <p:spPr>
+          <a:xfrm>
+            <a:off x="2778259" y="2011363"/>
+            <a:ext cx="6635481" cy="4160837"/>
+          </a:xfrm>
+        </p:spPr>
+      </p:pic>
     </p:spTree>
     <p:extLst>
       <p:ext uri="{BB962C8B-B14F-4D97-AF65-F5344CB8AC3E}">
@@ -14332,8 +14487,13 @@
           <a:p>
             <a:r>
               <a:rPr lang="en-US" dirty="0"/>
-              <a:t>Sequence diagram 1</a:t>
+              <a:t>Sequence diagram </a:t>
             </a:r>
+            <a:r>
+              <a:rPr lang="en-US"/>
+              <a:t>1 – Checkout book</a:t>
+            </a:r>
+            <a:endParaRPr lang="en-US" dirty="0"/>
           </a:p>
         </p:txBody>
       </p:sp>
@@ -14415,36 +14575,46 @@
           <a:p>
             <a:r>
               <a:rPr lang="en-US" dirty="0"/>
-              <a:t>Sequence diagram 2</a:t>
+              <a:t>Sequence diagram 2 – Add book copy</a:t>
             </a:r>
           </a:p>
         </p:txBody>
       </p:sp>
-      <p:sp>
-        <p:nvSpPr>
-          <p:cNvPr id="3" name="Content Placeholder 2">
+      <p:pic>
+        <p:nvPicPr>
+          <p:cNvPr id="5" name="Content Placeholder 4" descr="A diagram of a project&#10;&#10;Description automatically generated with medium confidence">
             <a:extLst>
               <a:ext uri="{FF2B5EF4-FFF2-40B4-BE49-F238E27FC236}">
-                <a16:creationId xmlns:a16="http://schemas.microsoft.com/office/drawing/2014/main" id="{69EA9374-C48D-D5AC-D673-2F8F6D032A25}"/>
+                <a16:creationId xmlns:a16="http://schemas.microsoft.com/office/drawing/2014/main" id="{1109EC5D-821B-3C8D-4C9F-75C57775A48A}"/>
               </a:ext>
             </a:extLst>
           </p:cNvPr>
-          <p:cNvSpPr>
-            <a:spLocks noGrp="1"/>
-          </p:cNvSpPr>
+          <p:cNvPicPr>
+            <a:picLocks noGrp="1" noChangeAspect="1"/>
+          </p:cNvPicPr>
           <p:nvPr>
             <p:ph idx="1"/>
           </p:nvPr>
-        </p:nvSpPr>
-        <p:spPr/>
-        <p:txBody>
-          <a:bodyPr/>
-          <a:lstStyle/>
-          <a:p>
-            <a:endParaRPr lang="en-US"/>
-          </a:p>
-        </p:txBody>
-      </p:sp>
+        </p:nvPicPr>
+        <p:blipFill>
+          <a:blip r:embed="rId2">
+            <a:extLst>
+              <a:ext uri="{28A0092B-C50C-407E-A947-70E740481C1C}">
+                <a14:useLocalDpi xmlns:a14="http://schemas.microsoft.com/office/drawing/2010/main" val="0"/>
+              </a:ext>
+            </a:extLst>
+          </a:blip>
+          <a:stretch>
+            <a:fillRect/>
+          </a:stretch>
+        </p:blipFill>
+        <p:spPr>
+          <a:xfrm>
+            <a:off x="3321269" y="1690688"/>
+            <a:ext cx="5408610" cy="5127420"/>
+          </a:xfrm>
+        </p:spPr>
+      </p:pic>
     </p:spTree>
     <p:extLst>
       <p:ext uri="{BB962C8B-B14F-4D97-AF65-F5344CB8AC3E}">
@@ -14498,7 +14668,100 @@
           <a:p>
             <a:r>
               <a:rPr lang="en-US" dirty="0"/>
-              <a:t>Sequence diagram 3</a:t>
+              <a:t>Sequence diagram 3 – Add member</a:t>
+            </a:r>
+          </a:p>
+        </p:txBody>
+      </p:sp>
+      <p:pic>
+        <p:nvPicPr>
+          <p:cNvPr id="9" name="Content Placeholder 8" descr="A computer screen shot of a diagram&#10;&#10;Description automatically generated">
+            <a:extLst>
+              <a:ext uri="{FF2B5EF4-FFF2-40B4-BE49-F238E27FC236}">
+                <a16:creationId xmlns:a16="http://schemas.microsoft.com/office/drawing/2014/main" id="{75C4BCBB-F071-4194-F169-9AE40C79FBEC}"/>
+              </a:ext>
+            </a:extLst>
+          </p:cNvPr>
+          <p:cNvPicPr>
+            <a:picLocks noGrp="1" noChangeAspect="1"/>
+          </p:cNvPicPr>
+          <p:nvPr>
+            <p:ph idx="1"/>
+          </p:nvPr>
+        </p:nvPicPr>
+        <p:blipFill>
+          <a:blip r:embed="rId2">
+            <a:extLst>
+              <a:ext uri="{28A0092B-C50C-407E-A947-70E740481C1C}">
+                <a14:useLocalDpi xmlns:a14="http://schemas.microsoft.com/office/drawing/2010/main" val="0"/>
+              </a:ext>
+            </a:extLst>
+          </a:blip>
+          <a:stretch>
+            <a:fillRect/>
+          </a:stretch>
+        </p:blipFill>
+        <p:spPr>
+          <a:xfrm>
+            <a:off x="3059062" y="1690688"/>
+            <a:ext cx="6073875" cy="5167311"/>
+          </a:xfrm>
+        </p:spPr>
+      </p:pic>
+    </p:spTree>
+    <p:extLst>
+      <p:ext uri="{BB962C8B-B14F-4D97-AF65-F5344CB8AC3E}">
+        <p14:creationId xmlns:p14="http://schemas.microsoft.com/office/powerpoint/2010/main" val="1500195305"/>
+      </p:ext>
+    </p:extLst>
+  </p:cSld>
+  <p:clrMapOvr>
+    <a:masterClrMapping/>
+  </p:clrMapOvr>
+</p:sld>
+</file>
+
+<file path=ppt/slides/slide7.xml><?xml version="1.0" encoding="utf-8"?>
+<p:sld xmlns:a="http://schemas.openxmlformats.org/drawingml/2006/main" xmlns:r="http://schemas.openxmlformats.org/officeDocument/2006/relationships" xmlns:p="http://schemas.openxmlformats.org/presentationml/2006/main">
+  <p:cSld>
+    <p:spTree>
+      <p:nvGrpSpPr>
+        <p:cNvPr id="1" name=""/>
+        <p:cNvGrpSpPr/>
+        <p:nvPr/>
+      </p:nvGrpSpPr>
+      <p:grpSpPr>
+        <a:xfrm>
+          <a:off x="0" y="0"/>
+          <a:ext cx="0" cy="0"/>
+          <a:chOff x="0" y="0"/>
+          <a:chExt cx="0" cy="0"/>
+        </a:xfrm>
+      </p:grpSpPr>
+      <p:sp>
+        <p:nvSpPr>
+          <p:cNvPr id="2" name="Title 1">
+            <a:extLst>
+              <a:ext uri="{FF2B5EF4-FFF2-40B4-BE49-F238E27FC236}">
+                <a16:creationId xmlns:a16="http://schemas.microsoft.com/office/drawing/2014/main" id="{7D5DE943-A66A-2CC8-D688-486B87D673E5}"/>
+              </a:ext>
+            </a:extLst>
+          </p:cNvPr>
+          <p:cNvSpPr>
+            <a:spLocks noGrp="1"/>
+          </p:cNvSpPr>
+          <p:nvPr>
+            <p:ph type="title"/>
+          </p:nvPr>
+        </p:nvSpPr>
+        <p:spPr/>
+        <p:txBody>
+          <a:bodyPr/>
+          <a:lstStyle/>
+          <a:p>
+            <a:r>
+              <a:rPr lang="en-US" dirty="0"/>
+              <a:t>Validation rules</a:t>
             </a:r>
           </a:p>
         </p:txBody>
@@ -14508,7 +14771,7 @@
           <p:cNvPr id="3" name="Content Placeholder 2">
             <a:extLst>
               <a:ext uri="{FF2B5EF4-FFF2-40B4-BE49-F238E27FC236}">
-                <a16:creationId xmlns:a16="http://schemas.microsoft.com/office/drawing/2014/main" id="{69EA9374-C48D-D5AC-D673-2F8F6D032A25}"/>
+                <a16:creationId xmlns:a16="http://schemas.microsoft.com/office/drawing/2014/main" id="{44B8A3AF-D0FB-5727-215A-EC5E87CAFA60}"/>
               </a:ext>
             </a:extLst>
           </p:cNvPr>
@@ -14531,7 +14794,7 @@
     </p:spTree>
     <p:extLst>
       <p:ext uri="{BB962C8B-B14F-4D97-AF65-F5344CB8AC3E}">
-        <p14:creationId xmlns:p14="http://schemas.microsoft.com/office/powerpoint/2010/main" val="1500195305"/>
+        <p14:creationId xmlns:p14="http://schemas.microsoft.com/office/powerpoint/2010/main" val="2242156636"/>
       </p:ext>
     </p:extLst>
   </p:cSld>
@@ -14541,7 +14804,7 @@
 </p:sld>
 </file>
 
-<file path=ppt/slides/slide7.xml><?xml version="1.0" encoding="utf-8"?>
+<file path=ppt/slides/slide8.xml><?xml version="1.0" encoding="utf-8"?>
 <p:sld xmlns:a="http://schemas.openxmlformats.org/drawingml/2006/main" xmlns:r="http://schemas.openxmlformats.org/officeDocument/2006/relationships" xmlns:p="http://schemas.openxmlformats.org/presentationml/2006/main">
   <p:cSld>
     <p:spTree>
@@ -14646,7 +14909,7 @@
 </p:sld>
 </file>
 
-<file path=ppt/slides/slide8.xml><?xml version="1.0" encoding="utf-8"?>
+<file path=ppt/slides/slide9.xml><?xml version="1.0" encoding="utf-8"?>
 <p:sld xmlns:a="http://schemas.openxmlformats.org/drawingml/2006/main" xmlns:r="http://schemas.openxmlformats.org/officeDocument/2006/relationships" xmlns:p="http://schemas.openxmlformats.org/presentationml/2006/main">
   <p:cSld>
     <p:spTree>
@@ -14781,150 +15044,6 @@
     <p:extLst>
       <p:ext uri="{BB962C8B-B14F-4D97-AF65-F5344CB8AC3E}">
         <p14:creationId xmlns:p14="http://schemas.microsoft.com/office/powerpoint/2010/main" val="3921828870"/>
-      </p:ext>
-    </p:extLst>
-  </p:cSld>
-  <p:clrMapOvr>
-    <a:masterClrMapping/>
-  </p:clrMapOvr>
-</p:sld>
-</file>
-
-<file path=ppt/slides/slide9.xml><?xml version="1.0" encoding="utf-8"?>
-<p:sld xmlns:a="http://schemas.openxmlformats.org/drawingml/2006/main" xmlns:r="http://schemas.openxmlformats.org/officeDocument/2006/relationships" xmlns:p="http://schemas.openxmlformats.org/presentationml/2006/main">
-  <p:cSld>
-    <p:spTree>
-      <p:nvGrpSpPr>
-        <p:cNvPr id="1" name=""/>
-        <p:cNvGrpSpPr/>
-        <p:nvPr/>
-      </p:nvGrpSpPr>
-      <p:grpSpPr>
-        <a:xfrm>
-          <a:off x="0" y="0"/>
-          <a:ext cx="0" cy="0"/>
-          <a:chOff x="0" y="0"/>
-          <a:chExt cx="0" cy="0"/>
-        </a:xfrm>
-      </p:grpSpPr>
-      <p:sp>
-        <p:nvSpPr>
-          <p:cNvPr id="2" name="Title 1">
-            <a:extLst>
-              <a:ext uri="{FF2B5EF4-FFF2-40B4-BE49-F238E27FC236}">
-                <a16:creationId xmlns:a16="http://schemas.microsoft.com/office/drawing/2014/main" id="{32BAC5D0-72A4-07D3-3AB1-31835733F940}"/>
-              </a:ext>
-            </a:extLst>
-          </p:cNvPr>
-          <p:cNvSpPr>
-            <a:spLocks noGrp="1"/>
-          </p:cNvSpPr>
-          <p:nvPr>
-            <p:ph type="title"/>
-          </p:nvPr>
-        </p:nvSpPr>
-        <p:spPr/>
-        <p:txBody>
-          <a:bodyPr/>
-          <a:lstStyle/>
-          <a:p>
-            <a:r>
-              <a:rPr lang="en-US" dirty="0"/>
-              <a:t>Q&amp;A</a:t>
-            </a:r>
-          </a:p>
-        </p:txBody>
-      </p:sp>
-      <p:pic>
-        <p:nvPicPr>
-          <p:cNvPr id="7" name="Content Placeholder 6" descr="A baby making a face&#10;&#10;Description automatically generated">
-            <a:extLst>
-              <a:ext uri="{FF2B5EF4-FFF2-40B4-BE49-F238E27FC236}">
-                <a16:creationId xmlns:a16="http://schemas.microsoft.com/office/drawing/2014/main" id="{D91234D0-A463-8503-EFCC-62B1A1D07922}"/>
-              </a:ext>
-            </a:extLst>
-          </p:cNvPr>
-          <p:cNvPicPr>
-            <a:picLocks noGrp="1" noChangeAspect="1"/>
-          </p:cNvPicPr>
-          <p:nvPr>
-            <p:ph idx="1"/>
-          </p:nvPr>
-        </p:nvPicPr>
-        <p:blipFill>
-          <a:blip r:embed="rId2">
-            <a:extLst>
-              <a:ext uri="{28A0092B-C50C-407E-A947-70E740481C1C}">
-                <a14:useLocalDpi xmlns:a14="http://schemas.microsoft.com/office/drawing/2010/main" val="0"/>
-              </a:ext>
-              <a:ext uri="{837473B0-CC2E-450A-ABE3-18F120FF3D39}">
-                <a1611:picAttrSrcUrl xmlns:a1611="http://schemas.microsoft.com/office/drawing/2016/11/main" r:id="rId3"/>
-              </a:ext>
-            </a:extLst>
-          </a:blip>
-          <a:stretch>
-            <a:fillRect/>
-          </a:stretch>
-        </p:blipFill>
-        <p:spPr>
-          <a:xfrm>
-            <a:off x="4345404" y="2011363"/>
-            <a:ext cx="3501192" cy="4160837"/>
-          </a:xfrm>
-        </p:spPr>
-      </p:pic>
-      <p:sp>
-        <p:nvSpPr>
-          <p:cNvPr id="8" name="TextBox 7">
-            <a:extLst>
-              <a:ext uri="{FF2B5EF4-FFF2-40B4-BE49-F238E27FC236}">
-                <a16:creationId xmlns:a16="http://schemas.microsoft.com/office/drawing/2014/main" id="{4F50C0A4-8391-C485-6BC4-23FC866F51D4}"/>
-              </a:ext>
-            </a:extLst>
-          </p:cNvPr>
-          <p:cNvSpPr txBox="1"/>
-          <p:nvPr/>
-        </p:nvSpPr>
-        <p:spPr>
-          <a:xfrm>
-            <a:off x="4345404" y="6172200"/>
-            <a:ext cx="3501192" cy="230832"/>
-          </a:xfrm>
-          <a:prstGeom prst="rect">
-            <a:avLst/>
-          </a:prstGeom>
-          <a:noFill/>
-        </p:spPr>
-        <p:txBody>
-          <a:bodyPr wrap="square" rtlCol="0">
-            <a:spAutoFit/>
-          </a:bodyPr>
-          <a:lstStyle/>
-          <a:p>
-            <a:r>
-              <a:rPr lang="en-US" sz="900">
-                <a:hlinkClick r:id="rId3" tooltip="https://www.scavengerlife.com/2014/04/mid-week-q-open-thread-6/"/>
-              </a:rPr>
-              <a:t>This Photo</a:t>
-            </a:r>
-            <a:r>
-              <a:rPr lang="en-US" sz="900"/>
-              <a:t> by Unknown Author is licensed under </a:t>
-            </a:r>
-            <a:r>
-              <a:rPr lang="en-US" sz="900">
-                <a:hlinkClick r:id="rId4" tooltip="https://creativecommons.org/licenses/by-nc/3.0/"/>
-              </a:rPr>
-              <a:t>CC BY-NC</a:t>
-            </a:r>
-            <a:endParaRPr lang="en-US" sz="900"/>
-          </a:p>
-        </p:txBody>
-      </p:sp>
-    </p:spTree>
-    <p:extLst>
-      <p:ext uri="{BB962C8B-B14F-4D97-AF65-F5344CB8AC3E}">
-        <p14:creationId xmlns:p14="http://schemas.microsoft.com/office/powerpoint/2010/main" val="337512895"/>
       </p:ext>
     </p:extLst>
   </p:cSld>

--- a/documents/Group 7 Library Application Presentation.pptx
+++ b/documents/Group 7 Library Application Presentation.pptx
@@ -4,17 +4,26 @@
   <p:sldMasterIdLst>
     <p:sldMasterId id="2147483739" r:id="rId1"/>
   </p:sldMasterIdLst>
+  <p:notesMasterIdLst>
+    <p:notesMasterId r:id="rId18"/>
+  </p:notesMasterIdLst>
   <p:sldIdLst>
     <p:sldId id="256" r:id="rId2"/>
     <p:sldId id="258" r:id="rId3"/>
     <p:sldId id="257" r:id="rId4"/>
-    <p:sldId id="259" r:id="rId5"/>
-    <p:sldId id="260" r:id="rId6"/>
-    <p:sldId id="261" r:id="rId7"/>
-    <p:sldId id="265" r:id="rId8"/>
-    <p:sldId id="262" r:id="rId9"/>
-    <p:sldId id="263" r:id="rId10"/>
-    <p:sldId id="264" r:id="rId11"/>
+    <p:sldId id="271" r:id="rId5"/>
+    <p:sldId id="259" r:id="rId6"/>
+    <p:sldId id="260" r:id="rId7"/>
+    <p:sldId id="261" r:id="rId8"/>
+    <p:sldId id="265" r:id="rId9"/>
+    <p:sldId id="266" r:id="rId10"/>
+    <p:sldId id="267" r:id="rId11"/>
+    <p:sldId id="268" r:id="rId12"/>
+    <p:sldId id="269" r:id="rId13"/>
+    <p:sldId id="270" r:id="rId14"/>
+    <p:sldId id="262" r:id="rId15"/>
+    <p:sldId id="263" r:id="rId16"/>
+    <p:sldId id="264" r:id="rId17"/>
   </p:sldIdLst>
   <p:sldSz cx="12192000" cy="6858000"/>
   <p:notesSz cx="6858000" cy="9144000"/>
@@ -119,6 +128,439 @@
     </p:ext>
   </p:extLst>
 </p:presentation>
+</file>
+
+<file path=ppt/notesMasters/notesMaster1.xml><?xml version="1.0" encoding="utf-8"?>
+<p:notesMaster xmlns:a="http://schemas.openxmlformats.org/drawingml/2006/main" xmlns:r="http://schemas.openxmlformats.org/officeDocument/2006/relationships" xmlns:p="http://schemas.openxmlformats.org/presentationml/2006/main">
+  <p:cSld>
+    <p:bg>
+      <p:bgRef idx="1001">
+        <a:schemeClr val="bg1"/>
+      </p:bgRef>
+    </p:bg>
+    <p:spTree>
+      <p:nvGrpSpPr>
+        <p:cNvPr id="1" name=""/>
+        <p:cNvGrpSpPr/>
+        <p:nvPr/>
+      </p:nvGrpSpPr>
+      <p:grpSpPr>
+        <a:xfrm>
+          <a:off x="0" y="0"/>
+          <a:ext cx="0" cy="0"/>
+          <a:chOff x="0" y="0"/>
+          <a:chExt cx="0" cy="0"/>
+        </a:xfrm>
+      </p:grpSpPr>
+      <p:sp>
+        <p:nvSpPr>
+          <p:cNvPr id="2" name="Header Placeholder 1"/>
+          <p:cNvSpPr>
+            <a:spLocks noGrp="1"/>
+          </p:cNvSpPr>
+          <p:nvPr>
+            <p:ph type="hdr" sz="quarter"/>
+          </p:nvPr>
+        </p:nvSpPr>
+        <p:spPr>
+          <a:xfrm>
+            <a:off x="0" y="0"/>
+            <a:ext cx="2971800" cy="458788"/>
+          </a:xfrm>
+          <a:prstGeom prst="rect">
+            <a:avLst/>
+          </a:prstGeom>
+        </p:spPr>
+        <p:txBody>
+          <a:bodyPr vert="horz" lIns="91440" tIns="45720" rIns="91440" bIns="45720" rtlCol="0"/>
+          <a:lstStyle>
+            <a:lvl1pPr algn="l">
+              <a:defRPr sz="1200"/>
+            </a:lvl1pPr>
+          </a:lstStyle>
+          <a:p>
+            <a:endParaRPr lang="en-US"/>
+          </a:p>
+        </p:txBody>
+      </p:sp>
+      <p:sp>
+        <p:nvSpPr>
+          <p:cNvPr id="3" name="Date Placeholder 2"/>
+          <p:cNvSpPr>
+            <a:spLocks noGrp="1"/>
+          </p:cNvSpPr>
+          <p:nvPr>
+            <p:ph type="dt" idx="1"/>
+          </p:nvPr>
+        </p:nvSpPr>
+        <p:spPr>
+          <a:xfrm>
+            <a:off x="3884613" y="0"/>
+            <a:ext cx="2971800" cy="458788"/>
+          </a:xfrm>
+          <a:prstGeom prst="rect">
+            <a:avLst/>
+          </a:prstGeom>
+        </p:spPr>
+        <p:txBody>
+          <a:bodyPr vert="horz" lIns="91440" tIns="45720" rIns="91440" bIns="45720" rtlCol="0"/>
+          <a:lstStyle>
+            <a:lvl1pPr algn="r">
+              <a:defRPr sz="1200"/>
+            </a:lvl1pPr>
+          </a:lstStyle>
+          <a:p>
+            <a:fld id="{B59E37F5-7850-4AD9-B5A3-5A00D5589004}" type="datetimeFigureOut">
+              <a:rPr lang="en-US" smtClean="0"/>
+              <a:t>9/14/2024</a:t>
+            </a:fld>
+            <a:endParaRPr lang="en-US"/>
+          </a:p>
+        </p:txBody>
+      </p:sp>
+      <p:sp>
+        <p:nvSpPr>
+          <p:cNvPr id="4" name="Slide Image Placeholder 3"/>
+          <p:cNvSpPr>
+            <a:spLocks noGrp="1" noRot="1" noChangeAspect="1"/>
+          </p:cNvSpPr>
+          <p:nvPr>
+            <p:ph type="sldImg" idx="2"/>
+          </p:nvPr>
+        </p:nvSpPr>
+        <p:spPr>
+          <a:xfrm>
+            <a:off x="685800" y="1143000"/>
+            <a:ext cx="5486400" cy="3086100"/>
+          </a:xfrm>
+          <a:prstGeom prst="rect">
+            <a:avLst/>
+          </a:prstGeom>
+          <a:noFill/>
+          <a:ln w="12700">
+            <a:solidFill>
+              <a:prstClr val="black"/>
+            </a:solidFill>
+          </a:ln>
+        </p:spPr>
+        <p:txBody>
+          <a:bodyPr vert="horz" lIns="91440" tIns="45720" rIns="91440" bIns="45720" rtlCol="0" anchor="ctr"/>
+          <a:lstStyle/>
+          <a:p>
+            <a:endParaRPr lang="en-US"/>
+          </a:p>
+        </p:txBody>
+      </p:sp>
+      <p:sp>
+        <p:nvSpPr>
+          <p:cNvPr id="5" name="Notes Placeholder 4"/>
+          <p:cNvSpPr>
+            <a:spLocks noGrp="1"/>
+          </p:cNvSpPr>
+          <p:nvPr>
+            <p:ph type="body" sz="quarter" idx="3"/>
+          </p:nvPr>
+        </p:nvSpPr>
+        <p:spPr>
+          <a:xfrm>
+            <a:off x="685800" y="4400550"/>
+            <a:ext cx="5486400" cy="3600450"/>
+          </a:xfrm>
+          <a:prstGeom prst="rect">
+            <a:avLst/>
+          </a:prstGeom>
+        </p:spPr>
+        <p:txBody>
+          <a:bodyPr vert="horz" lIns="91440" tIns="45720" rIns="91440" bIns="45720" rtlCol="0"/>
+          <a:lstStyle/>
+          <a:p>
+            <a:pPr lvl="0"/>
+            <a:r>
+              <a:rPr lang="en-US"/>
+              <a:t>Click to edit Master text styles</a:t>
+            </a:r>
+          </a:p>
+          <a:p>
+            <a:pPr lvl="1"/>
+            <a:r>
+              <a:rPr lang="en-US"/>
+              <a:t>Second level</a:t>
+            </a:r>
+          </a:p>
+          <a:p>
+            <a:pPr lvl="2"/>
+            <a:r>
+              <a:rPr lang="en-US"/>
+              <a:t>Third level</a:t>
+            </a:r>
+          </a:p>
+          <a:p>
+            <a:pPr lvl="3"/>
+            <a:r>
+              <a:rPr lang="en-US"/>
+              <a:t>Fourth level</a:t>
+            </a:r>
+          </a:p>
+          <a:p>
+            <a:pPr lvl="4"/>
+            <a:r>
+              <a:rPr lang="en-US"/>
+              <a:t>Fifth level</a:t>
+            </a:r>
+          </a:p>
+        </p:txBody>
+      </p:sp>
+      <p:sp>
+        <p:nvSpPr>
+          <p:cNvPr id="6" name="Footer Placeholder 5"/>
+          <p:cNvSpPr>
+            <a:spLocks noGrp="1"/>
+          </p:cNvSpPr>
+          <p:nvPr>
+            <p:ph type="ftr" sz="quarter" idx="4"/>
+          </p:nvPr>
+        </p:nvSpPr>
+        <p:spPr>
+          <a:xfrm>
+            <a:off x="0" y="8685213"/>
+            <a:ext cx="2971800" cy="458787"/>
+          </a:xfrm>
+          <a:prstGeom prst="rect">
+            <a:avLst/>
+          </a:prstGeom>
+        </p:spPr>
+        <p:txBody>
+          <a:bodyPr vert="horz" lIns="91440" tIns="45720" rIns="91440" bIns="45720" rtlCol="0" anchor="b"/>
+          <a:lstStyle>
+            <a:lvl1pPr algn="l">
+              <a:defRPr sz="1200"/>
+            </a:lvl1pPr>
+          </a:lstStyle>
+          <a:p>
+            <a:endParaRPr lang="en-US"/>
+          </a:p>
+        </p:txBody>
+      </p:sp>
+      <p:sp>
+        <p:nvSpPr>
+          <p:cNvPr id="7" name="Slide Number Placeholder 6"/>
+          <p:cNvSpPr>
+            <a:spLocks noGrp="1"/>
+          </p:cNvSpPr>
+          <p:nvPr>
+            <p:ph type="sldNum" sz="quarter" idx="5"/>
+          </p:nvPr>
+        </p:nvSpPr>
+        <p:spPr>
+          <a:xfrm>
+            <a:off x="3884613" y="8685213"/>
+            <a:ext cx="2971800" cy="458787"/>
+          </a:xfrm>
+          <a:prstGeom prst="rect">
+            <a:avLst/>
+          </a:prstGeom>
+        </p:spPr>
+        <p:txBody>
+          <a:bodyPr vert="horz" lIns="91440" tIns="45720" rIns="91440" bIns="45720" rtlCol="0" anchor="b"/>
+          <a:lstStyle>
+            <a:lvl1pPr algn="r">
+              <a:defRPr sz="1200"/>
+            </a:lvl1pPr>
+          </a:lstStyle>
+          <a:p>
+            <a:fld id="{3570B872-D048-48F0-B6CE-3044DDEB1A82}" type="slidenum">
+              <a:rPr lang="en-US" smtClean="0"/>
+              <a:t>‹#›</a:t>
+            </a:fld>
+            <a:endParaRPr lang="en-US"/>
+          </a:p>
+        </p:txBody>
+      </p:sp>
+    </p:spTree>
+    <p:extLst>
+      <p:ext uri="{BB962C8B-B14F-4D97-AF65-F5344CB8AC3E}">
+        <p14:creationId xmlns:p14="http://schemas.microsoft.com/office/powerpoint/2010/main" val="321619011"/>
+      </p:ext>
+    </p:extLst>
+  </p:cSld>
+  <p:clrMap bg1="lt1" tx1="dk1" bg2="lt2" tx2="dk2" accent1="accent1" accent2="accent2" accent3="accent3" accent4="accent4" accent5="accent5" accent6="accent6" hlink="hlink" folHlink="folHlink"/>
+  <p:notesStyle>
+    <a:lvl1pPr marL="0" algn="l" defTabSz="914400" rtl="0" eaLnBrk="1" latinLnBrk="0" hangingPunct="1">
+      <a:defRPr sz="1200" kern="1200">
+        <a:solidFill>
+          <a:schemeClr val="tx1"/>
+        </a:solidFill>
+        <a:latin typeface="+mn-lt"/>
+        <a:ea typeface="+mn-ea"/>
+        <a:cs typeface="+mn-cs"/>
+      </a:defRPr>
+    </a:lvl1pPr>
+    <a:lvl2pPr marL="457200" algn="l" defTabSz="914400" rtl="0" eaLnBrk="1" latinLnBrk="0" hangingPunct="1">
+      <a:defRPr sz="1200" kern="1200">
+        <a:solidFill>
+          <a:schemeClr val="tx1"/>
+        </a:solidFill>
+        <a:latin typeface="+mn-lt"/>
+        <a:ea typeface="+mn-ea"/>
+        <a:cs typeface="+mn-cs"/>
+      </a:defRPr>
+    </a:lvl2pPr>
+    <a:lvl3pPr marL="914400" algn="l" defTabSz="914400" rtl="0" eaLnBrk="1" latinLnBrk="0" hangingPunct="1">
+      <a:defRPr sz="1200" kern="1200">
+        <a:solidFill>
+          <a:schemeClr val="tx1"/>
+        </a:solidFill>
+        <a:latin typeface="+mn-lt"/>
+        <a:ea typeface="+mn-ea"/>
+        <a:cs typeface="+mn-cs"/>
+      </a:defRPr>
+    </a:lvl3pPr>
+    <a:lvl4pPr marL="1371600" algn="l" defTabSz="914400" rtl="0" eaLnBrk="1" latinLnBrk="0" hangingPunct="1">
+      <a:defRPr sz="1200" kern="1200">
+        <a:solidFill>
+          <a:schemeClr val="tx1"/>
+        </a:solidFill>
+        <a:latin typeface="+mn-lt"/>
+        <a:ea typeface="+mn-ea"/>
+        <a:cs typeface="+mn-cs"/>
+      </a:defRPr>
+    </a:lvl4pPr>
+    <a:lvl5pPr marL="1828800" algn="l" defTabSz="914400" rtl="0" eaLnBrk="1" latinLnBrk="0" hangingPunct="1">
+      <a:defRPr sz="1200" kern="1200">
+        <a:solidFill>
+          <a:schemeClr val="tx1"/>
+        </a:solidFill>
+        <a:latin typeface="+mn-lt"/>
+        <a:ea typeface="+mn-ea"/>
+        <a:cs typeface="+mn-cs"/>
+      </a:defRPr>
+    </a:lvl5pPr>
+    <a:lvl6pPr marL="2286000" algn="l" defTabSz="914400" rtl="0" eaLnBrk="1" latinLnBrk="0" hangingPunct="1">
+      <a:defRPr sz="1200" kern="1200">
+        <a:solidFill>
+          <a:schemeClr val="tx1"/>
+        </a:solidFill>
+        <a:latin typeface="+mn-lt"/>
+        <a:ea typeface="+mn-ea"/>
+        <a:cs typeface="+mn-cs"/>
+      </a:defRPr>
+    </a:lvl6pPr>
+    <a:lvl7pPr marL="2743200" algn="l" defTabSz="914400" rtl="0" eaLnBrk="1" latinLnBrk="0" hangingPunct="1">
+      <a:defRPr sz="1200" kern="1200">
+        <a:solidFill>
+          <a:schemeClr val="tx1"/>
+        </a:solidFill>
+        <a:latin typeface="+mn-lt"/>
+        <a:ea typeface="+mn-ea"/>
+        <a:cs typeface="+mn-cs"/>
+      </a:defRPr>
+    </a:lvl7pPr>
+    <a:lvl8pPr marL="3200400" algn="l" defTabSz="914400" rtl="0" eaLnBrk="1" latinLnBrk="0" hangingPunct="1">
+      <a:defRPr sz="1200" kern="1200">
+        <a:solidFill>
+          <a:schemeClr val="tx1"/>
+        </a:solidFill>
+        <a:latin typeface="+mn-lt"/>
+        <a:ea typeface="+mn-ea"/>
+        <a:cs typeface="+mn-cs"/>
+      </a:defRPr>
+    </a:lvl8pPr>
+    <a:lvl9pPr marL="3657600" algn="l" defTabSz="914400" rtl="0" eaLnBrk="1" latinLnBrk="0" hangingPunct="1">
+      <a:defRPr sz="1200" kern="1200">
+        <a:solidFill>
+          <a:schemeClr val="tx1"/>
+        </a:solidFill>
+        <a:latin typeface="+mn-lt"/>
+        <a:ea typeface="+mn-ea"/>
+        <a:cs typeface="+mn-cs"/>
+      </a:defRPr>
+    </a:lvl9pPr>
+  </p:notesStyle>
+</p:notesMaster>
+</file>
+
+<file path=ppt/notesSlides/notesSlide1.xml><?xml version="1.0" encoding="utf-8"?>
+<p:notes xmlns:a="http://schemas.openxmlformats.org/drawingml/2006/main" xmlns:r="http://schemas.openxmlformats.org/officeDocument/2006/relationships" xmlns:p="http://schemas.openxmlformats.org/presentationml/2006/main">
+  <p:cSld>
+    <p:spTree>
+      <p:nvGrpSpPr>
+        <p:cNvPr id="1" name=""/>
+        <p:cNvGrpSpPr/>
+        <p:nvPr/>
+      </p:nvGrpSpPr>
+      <p:grpSpPr>
+        <a:xfrm>
+          <a:off x="0" y="0"/>
+          <a:ext cx="0" cy="0"/>
+          <a:chOff x="0" y="0"/>
+          <a:chExt cx="0" cy="0"/>
+        </a:xfrm>
+      </p:grpSpPr>
+      <p:sp>
+        <p:nvSpPr>
+          <p:cNvPr id="2" name="Slide Image Placeholder 1"/>
+          <p:cNvSpPr>
+            <a:spLocks noGrp="1" noRot="1" noChangeAspect="1"/>
+          </p:cNvSpPr>
+          <p:nvPr>
+            <p:ph type="sldImg"/>
+          </p:nvPr>
+        </p:nvSpPr>
+        <p:spPr/>
+      </p:sp>
+      <p:sp>
+        <p:nvSpPr>
+          <p:cNvPr id="3" name="Notes Placeholder 2"/>
+          <p:cNvSpPr>
+            <a:spLocks noGrp="1"/>
+          </p:cNvSpPr>
+          <p:nvPr>
+            <p:ph type="body" idx="1"/>
+          </p:nvPr>
+        </p:nvSpPr>
+        <p:spPr/>
+        <p:txBody>
+          <a:bodyPr/>
+          <a:lstStyle/>
+          <a:p>
+            <a:endParaRPr lang="en-US" dirty="0"/>
+          </a:p>
+        </p:txBody>
+      </p:sp>
+      <p:sp>
+        <p:nvSpPr>
+          <p:cNvPr id="4" name="Slide Number Placeholder 3"/>
+          <p:cNvSpPr>
+            <a:spLocks noGrp="1"/>
+          </p:cNvSpPr>
+          <p:nvPr>
+            <p:ph type="sldNum" sz="quarter" idx="5"/>
+          </p:nvPr>
+        </p:nvSpPr>
+        <p:spPr/>
+        <p:txBody>
+          <a:bodyPr/>
+          <a:lstStyle/>
+          <a:p>
+            <a:fld id="{3570B872-D048-48F0-B6CE-3044DDEB1A82}" type="slidenum">
+              <a:rPr lang="en-US" smtClean="0"/>
+              <a:t>14</a:t>
+            </a:fld>
+            <a:endParaRPr lang="en-US"/>
+          </a:p>
+        </p:txBody>
+      </p:sp>
+    </p:spTree>
+    <p:extLst>
+      <p:ext uri="{BB962C8B-B14F-4D97-AF65-F5344CB8AC3E}">
+        <p14:creationId xmlns:p14="http://schemas.microsoft.com/office/powerpoint/2010/main" val="853291550"/>
+      </p:ext>
+    </p:extLst>
+  </p:cSld>
+  <p:clrMapOvr>
+    <a:masterClrMapping/>
+  </p:clrMapOvr>
+</p:notes>
 </file>
 
 <file path=ppt/slideLayouts/slideLayout1.xml><?xml version="1.0" encoding="utf-8"?>
@@ -2468,7 +2910,7 @@
           <a:p>
             <a:fld id="{3C04E684-10F4-4CC3-A0B9-F03AA7BE37CF}" type="datetimeFigureOut">
               <a:rPr lang="en-US" smtClean="0"/>
-              <a:t>9/13/2024</a:t>
+              <a:t>9/14/2024</a:t>
             </a:fld>
             <a:endParaRPr lang="en-US"/>
           </a:p>
@@ -4958,7 +5400,7 @@
           <a:p>
             <a:fld id="{3C04E684-10F4-4CC3-A0B9-F03AA7BE37CF}" type="datetimeFigureOut">
               <a:rPr lang="en-US" smtClean="0"/>
-              <a:t>9/13/2024</a:t>
+              <a:t>9/14/2024</a:t>
             </a:fld>
             <a:endParaRPr lang="en-US"/>
           </a:p>
@@ -5156,7 +5598,7 @@
           <a:p>
             <a:fld id="{3C04E684-10F4-4CC3-A0B9-F03AA7BE37CF}" type="datetimeFigureOut">
               <a:rPr lang="en-US" smtClean="0"/>
-              <a:t>9/13/2024</a:t>
+              <a:t>9/14/2024</a:t>
             </a:fld>
             <a:endParaRPr lang="en-US"/>
           </a:p>
@@ -5364,7 +5806,7 @@
           <a:p>
             <a:fld id="{3C04E684-10F4-4CC3-A0B9-F03AA7BE37CF}" type="datetimeFigureOut">
               <a:rPr lang="en-US" smtClean="0"/>
-              <a:t>9/13/2024</a:t>
+              <a:t>9/14/2024</a:t>
             </a:fld>
             <a:endParaRPr lang="en-US"/>
           </a:p>
@@ -6101,7 +6543,7 @@
           <a:p>
             <a:fld id="{3C04E684-10F4-4CC3-A0B9-F03AA7BE37CF}" type="datetimeFigureOut">
               <a:rPr lang="en-US" smtClean="0"/>
-              <a:t>9/13/2024</a:t>
+              <a:t>9/14/2024</a:t>
             </a:fld>
             <a:endParaRPr lang="en-US"/>
           </a:p>
@@ -6743,7 +7185,7 @@
           <a:p>
             <a:fld id="{3C04E684-10F4-4CC3-A0B9-F03AA7BE37CF}" type="datetimeFigureOut">
               <a:rPr lang="en-US" smtClean="0"/>
-              <a:t>9/13/2024</a:t>
+              <a:t>9/14/2024</a:t>
             </a:fld>
             <a:endParaRPr lang="en-US"/>
           </a:p>
@@ -7543,7 +7985,7 @@
           <a:p>
             <a:fld id="{3C04E684-10F4-4CC3-A0B9-F03AA7BE37CF}" type="datetimeFigureOut">
               <a:rPr lang="en-US" smtClean="0"/>
-              <a:t>9/13/2024</a:t>
+              <a:t>9/14/2024</a:t>
             </a:fld>
             <a:endParaRPr lang="en-US"/>
           </a:p>
@@ -8494,7 +8936,7 @@
           <a:p>
             <a:fld id="{3C04E684-10F4-4CC3-A0B9-F03AA7BE37CF}" type="datetimeFigureOut">
               <a:rPr lang="en-US" smtClean="0"/>
-              <a:t>9/13/2024</a:t>
+              <a:t>9/14/2024</a:t>
             </a:fld>
             <a:endParaRPr lang="en-US"/>
           </a:p>
@@ -10843,7 +11285,7 @@
           <a:p>
             <a:fld id="{3C04E684-10F4-4CC3-A0B9-F03AA7BE37CF}" type="datetimeFigureOut">
               <a:rPr lang="en-US" smtClean="0"/>
-              <a:t>9/13/2024</a:t>
+              <a:t>9/14/2024</a:t>
             </a:fld>
             <a:endParaRPr lang="en-US"/>
           </a:p>
@@ -10956,7 +11398,7 @@
           <a:p>
             <a:fld id="{3C04E684-10F4-4CC3-A0B9-F03AA7BE37CF}" type="datetimeFigureOut">
               <a:rPr lang="en-US" smtClean="0"/>
-              <a:t>9/13/2024</a:t>
+              <a:t>9/14/2024</a:t>
             </a:fld>
             <a:endParaRPr lang="en-US"/>
           </a:p>
@@ -11463,7 +11905,7 @@
           <a:p>
             <a:fld id="{3C04E684-10F4-4CC3-A0B9-F03AA7BE37CF}" type="datetimeFigureOut">
               <a:rPr lang="en-US" smtClean="0"/>
-              <a:t>9/13/2024</a:t>
+              <a:t>9/14/2024</a:t>
             </a:fld>
             <a:endParaRPr lang="en-US"/>
           </a:p>
@@ -12766,7 +13208,7 @@
           <a:p>
             <a:fld id="{3C04E684-10F4-4CC3-A0B9-F03AA7BE37CF}" type="datetimeFigureOut">
               <a:rPr lang="en-US" smtClean="0"/>
-              <a:t>9/13/2024</a:t>
+              <a:t>9/14/2024</a:t>
             </a:fld>
             <a:endParaRPr lang="en-US"/>
           </a:p>
@@ -13013,7 +13455,7 @@
           <a:p>
             <a:fld id="{3C04E684-10F4-4CC3-A0B9-F03AA7BE37CF}" type="datetimeFigureOut">
               <a:rPr lang="en-US" smtClean="0"/>
-              <a:t>9/13/2024</a:t>
+              <a:t>9/14/2024</a:t>
             </a:fld>
             <a:endParaRPr lang="en-US"/>
           </a:p>
@@ -14067,16 +14509,8 @@
           <a:lstStyle/>
           <a:p>
             <a:r>
-              <a:rPr lang="en-US" sz="1600"/>
-              <a:t>Jeffrey </a:t>
-            </a:r>
-            <a:r>
-              <a:rPr lang="en-US" sz="1600" dirty="0" err="1"/>
-              <a:t>metz</a:t>
-            </a:r>
-            <a:r>
               <a:rPr lang="en-US" sz="1600" dirty="0"/>
-              <a:t> - 111435</a:t>
+              <a:t>Hoang tin Nguyen – 618682</a:t>
             </a:r>
           </a:p>
           <a:p>
@@ -14096,11 +14530,16 @@
           <a:p>
             <a:r>
               <a:rPr lang="en-US" sz="1600" dirty="0"/>
-              <a:t>Hoang tin Nguyen - 618682</a:t>
+              <a:t>Jeffrey </a:t>
             </a:r>
-          </a:p>
-          <a:p>
-            <a:endParaRPr lang="en-US" sz="1600" dirty="0"/>
+            <a:r>
+              <a:rPr lang="en-US" sz="1600" dirty="0" err="1"/>
+              <a:t>metz</a:t>
+            </a:r>
+            <a:r>
+              <a:rPr lang="en-US" sz="1600" dirty="0"/>
+              <a:t> - 111435</a:t>
+            </a:r>
           </a:p>
         </p:txBody>
       </p:sp>
@@ -14118,6 +14557,680 @@
 </file>
 
 <file path=ppt/slides/slide10.xml><?xml version="1.0" encoding="utf-8"?>
+<p:sld xmlns:a="http://schemas.openxmlformats.org/drawingml/2006/main" xmlns:r="http://schemas.openxmlformats.org/officeDocument/2006/relationships" xmlns:p="http://schemas.openxmlformats.org/presentationml/2006/main">
+  <p:cSld>
+    <p:spTree>
+      <p:nvGrpSpPr>
+        <p:cNvPr id="1" name=""/>
+        <p:cNvGrpSpPr/>
+        <p:nvPr/>
+      </p:nvGrpSpPr>
+      <p:grpSpPr>
+        <a:xfrm>
+          <a:off x="0" y="0"/>
+          <a:ext cx="0" cy="0"/>
+          <a:chOff x="0" y="0"/>
+          <a:chExt cx="0" cy="0"/>
+        </a:xfrm>
+      </p:grpSpPr>
+      <p:sp>
+        <p:nvSpPr>
+          <p:cNvPr id="2" name="Title 1">
+            <a:extLst>
+              <a:ext uri="{FF2B5EF4-FFF2-40B4-BE49-F238E27FC236}">
+                <a16:creationId xmlns:a16="http://schemas.microsoft.com/office/drawing/2014/main" id="{7D5DE943-A66A-2CC8-D688-486B87D673E5}"/>
+              </a:ext>
+            </a:extLst>
+          </p:cNvPr>
+          <p:cNvSpPr>
+            <a:spLocks noGrp="1"/>
+          </p:cNvSpPr>
+          <p:nvPr>
+            <p:ph type="title"/>
+          </p:nvPr>
+        </p:nvSpPr>
+        <p:spPr/>
+        <p:txBody>
+          <a:bodyPr/>
+          <a:lstStyle/>
+          <a:p>
+            <a:r>
+              <a:rPr lang="en-US" dirty="0"/>
+              <a:t>Validation rules – New member form</a:t>
+            </a:r>
+          </a:p>
+        </p:txBody>
+      </p:sp>
+      <p:sp>
+        <p:nvSpPr>
+          <p:cNvPr id="3" name="Content Placeholder 2">
+            <a:extLst>
+              <a:ext uri="{FF2B5EF4-FFF2-40B4-BE49-F238E27FC236}">
+                <a16:creationId xmlns:a16="http://schemas.microsoft.com/office/drawing/2014/main" id="{44B8A3AF-D0FB-5727-215A-EC5E87CAFA60}"/>
+              </a:ext>
+            </a:extLst>
+          </p:cNvPr>
+          <p:cNvSpPr>
+            <a:spLocks noGrp="1"/>
+          </p:cNvSpPr>
+          <p:nvPr>
+            <p:ph idx="1"/>
+          </p:nvPr>
+        </p:nvSpPr>
+        <p:spPr/>
+        <p:txBody>
+          <a:bodyPr/>
+          <a:lstStyle/>
+          <a:p>
+            <a:r>
+              <a:rPr lang="en-US" dirty="0"/>
+              <a:t>Member Id is required and not existed</a:t>
+            </a:r>
+          </a:p>
+          <a:p>
+            <a:r>
+              <a:rPr lang="en-US" dirty="0"/>
+              <a:t>First name and last name are required</a:t>
+            </a:r>
+          </a:p>
+          <a:p>
+            <a:r>
+              <a:rPr lang="en-US" dirty="0"/>
+              <a:t>Telephone is required and valid “\d{3}-\d{3}-\d{4}”</a:t>
+            </a:r>
+          </a:p>
+          <a:p>
+            <a:r>
+              <a:rPr lang="en-US" dirty="0"/>
+              <a:t>Street, city, and state are required</a:t>
+            </a:r>
+          </a:p>
+          <a:p>
+            <a:r>
+              <a:rPr lang="en-US" dirty="0"/>
+              <a:t>Zip is required and numeric</a:t>
+            </a:r>
+          </a:p>
+        </p:txBody>
+      </p:sp>
+    </p:spTree>
+    <p:extLst>
+      <p:ext uri="{BB962C8B-B14F-4D97-AF65-F5344CB8AC3E}">
+        <p14:creationId xmlns:p14="http://schemas.microsoft.com/office/powerpoint/2010/main" val="3601445354"/>
+      </p:ext>
+    </p:extLst>
+  </p:cSld>
+  <p:clrMapOvr>
+    <a:masterClrMapping/>
+  </p:clrMapOvr>
+</p:sld>
+</file>
+
+<file path=ppt/slides/slide11.xml><?xml version="1.0" encoding="utf-8"?>
+<p:sld xmlns:a="http://schemas.openxmlformats.org/drawingml/2006/main" xmlns:r="http://schemas.openxmlformats.org/officeDocument/2006/relationships" xmlns:p="http://schemas.openxmlformats.org/presentationml/2006/main">
+  <p:cSld>
+    <p:spTree>
+      <p:nvGrpSpPr>
+        <p:cNvPr id="1" name=""/>
+        <p:cNvGrpSpPr/>
+        <p:nvPr/>
+      </p:nvGrpSpPr>
+      <p:grpSpPr>
+        <a:xfrm>
+          <a:off x="0" y="0"/>
+          <a:ext cx="0" cy="0"/>
+          <a:chOff x="0" y="0"/>
+          <a:chExt cx="0" cy="0"/>
+        </a:xfrm>
+      </p:grpSpPr>
+      <p:sp>
+        <p:nvSpPr>
+          <p:cNvPr id="2" name="Title 1">
+            <a:extLst>
+              <a:ext uri="{FF2B5EF4-FFF2-40B4-BE49-F238E27FC236}">
+                <a16:creationId xmlns:a16="http://schemas.microsoft.com/office/drawing/2014/main" id="{7D5DE943-A66A-2CC8-D688-486B87D673E5}"/>
+              </a:ext>
+            </a:extLst>
+          </p:cNvPr>
+          <p:cNvSpPr>
+            <a:spLocks noGrp="1"/>
+          </p:cNvSpPr>
+          <p:nvPr>
+            <p:ph type="title"/>
+          </p:nvPr>
+        </p:nvSpPr>
+        <p:spPr/>
+        <p:txBody>
+          <a:bodyPr/>
+          <a:lstStyle/>
+          <a:p>
+            <a:r>
+              <a:rPr lang="en-US" dirty="0"/>
+              <a:t>Validation rules – New copy form</a:t>
+            </a:r>
+          </a:p>
+        </p:txBody>
+      </p:sp>
+      <p:sp>
+        <p:nvSpPr>
+          <p:cNvPr id="3" name="Content Placeholder 2">
+            <a:extLst>
+              <a:ext uri="{FF2B5EF4-FFF2-40B4-BE49-F238E27FC236}">
+                <a16:creationId xmlns:a16="http://schemas.microsoft.com/office/drawing/2014/main" id="{44B8A3AF-D0FB-5727-215A-EC5E87CAFA60}"/>
+              </a:ext>
+            </a:extLst>
+          </p:cNvPr>
+          <p:cNvSpPr>
+            <a:spLocks noGrp="1"/>
+          </p:cNvSpPr>
+          <p:nvPr>
+            <p:ph idx="1"/>
+          </p:nvPr>
+        </p:nvSpPr>
+        <p:spPr/>
+        <p:txBody>
+          <a:bodyPr/>
+          <a:lstStyle/>
+          <a:p>
+            <a:r>
+              <a:rPr lang="en-US" dirty="0"/>
+              <a:t>Book </a:t>
+            </a:r>
+            <a:r>
+              <a:rPr lang="en-US" dirty="0" err="1"/>
+              <a:t>isbn</a:t>
+            </a:r>
+            <a:r>
+              <a:rPr lang="en-US" dirty="0"/>
+              <a:t> is required and valid “\d{2}-\d{5}”</a:t>
+            </a:r>
+          </a:p>
+          <a:p>
+            <a:r>
+              <a:rPr lang="en-US" dirty="0"/>
+              <a:t>Book </a:t>
+            </a:r>
+            <a:r>
+              <a:rPr lang="en-US" dirty="0" err="1"/>
+              <a:t>isbn</a:t>
+            </a:r>
+            <a:r>
+              <a:rPr lang="en-US" dirty="0"/>
+              <a:t> must be existed</a:t>
+            </a:r>
+          </a:p>
+        </p:txBody>
+      </p:sp>
+    </p:spTree>
+    <p:extLst>
+      <p:ext uri="{BB962C8B-B14F-4D97-AF65-F5344CB8AC3E}">
+        <p14:creationId xmlns:p14="http://schemas.microsoft.com/office/powerpoint/2010/main" val="3995247812"/>
+      </p:ext>
+    </p:extLst>
+  </p:cSld>
+  <p:clrMapOvr>
+    <a:masterClrMapping/>
+  </p:clrMapOvr>
+</p:sld>
+</file>
+
+<file path=ppt/slides/slide12.xml><?xml version="1.0" encoding="utf-8"?>
+<p:sld xmlns:a="http://schemas.openxmlformats.org/drawingml/2006/main" xmlns:r="http://schemas.openxmlformats.org/officeDocument/2006/relationships" xmlns:p="http://schemas.openxmlformats.org/presentationml/2006/main">
+  <p:cSld>
+    <p:spTree>
+      <p:nvGrpSpPr>
+        <p:cNvPr id="1" name=""/>
+        <p:cNvGrpSpPr/>
+        <p:nvPr/>
+      </p:nvGrpSpPr>
+      <p:grpSpPr>
+        <a:xfrm>
+          <a:off x="0" y="0"/>
+          <a:ext cx="0" cy="0"/>
+          <a:chOff x="0" y="0"/>
+          <a:chExt cx="0" cy="0"/>
+        </a:xfrm>
+      </p:grpSpPr>
+      <p:sp>
+        <p:nvSpPr>
+          <p:cNvPr id="2" name="Title 1">
+            <a:extLst>
+              <a:ext uri="{FF2B5EF4-FFF2-40B4-BE49-F238E27FC236}">
+                <a16:creationId xmlns:a16="http://schemas.microsoft.com/office/drawing/2014/main" id="{7D5DE943-A66A-2CC8-D688-486B87D673E5}"/>
+              </a:ext>
+            </a:extLst>
+          </p:cNvPr>
+          <p:cNvSpPr>
+            <a:spLocks noGrp="1"/>
+          </p:cNvSpPr>
+          <p:nvPr>
+            <p:ph type="title"/>
+          </p:nvPr>
+        </p:nvSpPr>
+        <p:spPr/>
+        <p:txBody>
+          <a:bodyPr/>
+          <a:lstStyle/>
+          <a:p>
+            <a:r>
+              <a:rPr lang="en-US" dirty="0"/>
+              <a:t>Validation rules – Checkout form</a:t>
+            </a:r>
+          </a:p>
+        </p:txBody>
+      </p:sp>
+      <p:sp>
+        <p:nvSpPr>
+          <p:cNvPr id="3" name="Content Placeholder 2">
+            <a:extLst>
+              <a:ext uri="{FF2B5EF4-FFF2-40B4-BE49-F238E27FC236}">
+                <a16:creationId xmlns:a16="http://schemas.microsoft.com/office/drawing/2014/main" id="{44B8A3AF-D0FB-5727-215A-EC5E87CAFA60}"/>
+              </a:ext>
+            </a:extLst>
+          </p:cNvPr>
+          <p:cNvSpPr>
+            <a:spLocks noGrp="1"/>
+          </p:cNvSpPr>
+          <p:nvPr>
+            <p:ph idx="1"/>
+          </p:nvPr>
+        </p:nvSpPr>
+        <p:spPr/>
+        <p:txBody>
+          <a:bodyPr/>
+          <a:lstStyle/>
+          <a:p>
+            <a:r>
+              <a:rPr lang="en-US" dirty="0"/>
+              <a:t>Member id is required and existed</a:t>
+            </a:r>
+          </a:p>
+          <a:p>
+            <a:r>
+              <a:rPr lang="en-US" dirty="0"/>
+              <a:t>Book </a:t>
+            </a:r>
+            <a:r>
+              <a:rPr lang="en-US" dirty="0" err="1"/>
+              <a:t>isbn</a:t>
+            </a:r>
+            <a:r>
+              <a:rPr lang="en-US" dirty="0"/>
+              <a:t> is required and valid “\d{2}-\d{5}”</a:t>
+            </a:r>
+          </a:p>
+          <a:p>
+            <a:r>
+              <a:rPr lang="en-US" dirty="0"/>
+              <a:t>Book </a:t>
+            </a:r>
+            <a:r>
+              <a:rPr lang="en-US" dirty="0" err="1"/>
+              <a:t>isbn</a:t>
+            </a:r>
+            <a:r>
+              <a:rPr lang="en-US" dirty="0"/>
+              <a:t> is existed and available to checkout (has a copy is available)</a:t>
+            </a:r>
+          </a:p>
+        </p:txBody>
+      </p:sp>
+    </p:spTree>
+    <p:extLst>
+      <p:ext uri="{BB962C8B-B14F-4D97-AF65-F5344CB8AC3E}">
+        <p14:creationId xmlns:p14="http://schemas.microsoft.com/office/powerpoint/2010/main" val="37481061"/>
+      </p:ext>
+    </p:extLst>
+  </p:cSld>
+  <p:clrMapOvr>
+    <a:masterClrMapping/>
+  </p:clrMapOvr>
+</p:sld>
+</file>
+
+<file path=ppt/slides/slide13.xml><?xml version="1.0" encoding="utf-8"?>
+<p:sld xmlns:a="http://schemas.openxmlformats.org/drawingml/2006/main" xmlns:r="http://schemas.openxmlformats.org/officeDocument/2006/relationships" xmlns:p="http://schemas.openxmlformats.org/presentationml/2006/main">
+  <p:cSld>
+    <p:spTree>
+      <p:nvGrpSpPr>
+        <p:cNvPr id="1" name=""/>
+        <p:cNvGrpSpPr/>
+        <p:nvPr/>
+      </p:nvGrpSpPr>
+      <p:grpSpPr>
+        <a:xfrm>
+          <a:off x="0" y="0"/>
+          <a:ext cx="0" cy="0"/>
+          <a:chOff x="0" y="0"/>
+          <a:chExt cx="0" cy="0"/>
+        </a:xfrm>
+      </p:grpSpPr>
+      <p:sp>
+        <p:nvSpPr>
+          <p:cNvPr id="2" name="Title 1">
+            <a:extLst>
+              <a:ext uri="{FF2B5EF4-FFF2-40B4-BE49-F238E27FC236}">
+                <a16:creationId xmlns:a16="http://schemas.microsoft.com/office/drawing/2014/main" id="{E74D6E2E-3163-5E1C-458B-3BBC14B28CF8}"/>
+              </a:ext>
+            </a:extLst>
+          </p:cNvPr>
+          <p:cNvSpPr>
+            <a:spLocks noGrp="1"/>
+          </p:cNvSpPr>
+          <p:nvPr>
+            <p:ph type="title"/>
+          </p:nvPr>
+        </p:nvSpPr>
+        <p:spPr/>
+        <p:txBody>
+          <a:bodyPr/>
+          <a:lstStyle/>
+          <a:p>
+            <a:r>
+              <a:rPr lang="en-US" dirty="0"/>
+              <a:t>SCI conclusion</a:t>
+            </a:r>
+          </a:p>
+        </p:txBody>
+      </p:sp>
+      <p:sp>
+        <p:nvSpPr>
+          <p:cNvPr id="3" name="Content Placeholder 2">
+            <a:extLst>
+              <a:ext uri="{FF2B5EF4-FFF2-40B4-BE49-F238E27FC236}">
+                <a16:creationId xmlns:a16="http://schemas.microsoft.com/office/drawing/2014/main" id="{A02BBA7D-03A3-1D01-A74E-62E2B1FBC623}"/>
+              </a:ext>
+            </a:extLst>
+          </p:cNvPr>
+          <p:cNvSpPr>
+            <a:spLocks noGrp="1"/>
+          </p:cNvSpPr>
+          <p:nvPr>
+            <p:ph idx="1"/>
+          </p:nvPr>
+        </p:nvSpPr>
+        <p:spPr/>
+        <p:txBody>
+          <a:bodyPr/>
+          <a:lstStyle/>
+          <a:p>
+            <a:endParaRPr lang="en-US" dirty="0"/>
+          </a:p>
+        </p:txBody>
+      </p:sp>
+    </p:spTree>
+    <p:extLst>
+      <p:ext uri="{BB962C8B-B14F-4D97-AF65-F5344CB8AC3E}">
+        <p14:creationId xmlns:p14="http://schemas.microsoft.com/office/powerpoint/2010/main" val="749972267"/>
+      </p:ext>
+    </p:extLst>
+  </p:cSld>
+  <p:clrMapOvr>
+    <a:masterClrMapping/>
+  </p:clrMapOvr>
+</p:sld>
+</file>
+
+<file path=ppt/slides/slide14.xml><?xml version="1.0" encoding="utf-8"?>
+<p:sld xmlns:a="http://schemas.openxmlformats.org/drawingml/2006/main" xmlns:r="http://schemas.openxmlformats.org/officeDocument/2006/relationships" xmlns:p="http://schemas.openxmlformats.org/presentationml/2006/main">
+  <p:cSld>
+    <p:spTree>
+      <p:nvGrpSpPr>
+        <p:cNvPr id="1" name=""/>
+        <p:cNvGrpSpPr/>
+        <p:nvPr/>
+      </p:nvGrpSpPr>
+      <p:grpSpPr>
+        <a:xfrm>
+          <a:off x="0" y="0"/>
+          <a:ext cx="0" cy="0"/>
+          <a:chOff x="0" y="0"/>
+          <a:chExt cx="0" cy="0"/>
+        </a:xfrm>
+      </p:grpSpPr>
+      <p:sp>
+        <p:nvSpPr>
+          <p:cNvPr id="2" name="Title 1">
+            <a:extLst>
+              <a:ext uri="{FF2B5EF4-FFF2-40B4-BE49-F238E27FC236}">
+                <a16:creationId xmlns:a16="http://schemas.microsoft.com/office/drawing/2014/main" id="{062700F9-5FC1-B9B6-AE83-525FBF749F1E}"/>
+              </a:ext>
+            </a:extLst>
+          </p:cNvPr>
+          <p:cNvSpPr>
+            <a:spLocks noGrp="1"/>
+          </p:cNvSpPr>
+          <p:nvPr>
+            <p:ph type="title"/>
+          </p:nvPr>
+        </p:nvSpPr>
+        <p:spPr/>
+        <p:txBody>
+          <a:bodyPr/>
+          <a:lstStyle/>
+          <a:p>
+            <a:r>
+              <a:rPr lang="en-US"/>
+              <a:t>Demo</a:t>
+            </a:r>
+          </a:p>
+        </p:txBody>
+      </p:sp>
+      <p:sp>
+        <p:nvSpPr>
+          <p:cNvPr id="3" name="Content Placeholder 2">
+            <a:extLst>
+              <a:ext uri="{FF2B5EF4-FFF2-40B4-BE49-F238E27FC236}">
+                <a16:creationId xmlns:a16="http://schemas.microsoft.com/office/drawing/2014/main" id="{3D980B56-DB62-2FEA-938C-FC75015893AF}"/>
+              </a:ext>
+            </a:extLst>
+          </p:cNvPr>
+          <p:cNvSpPr>
+            <a:spLocks noGrp="1"/>
+          </p:cNvSpPr>
+          <p:nvPr>
+            <p:ph idx="1"/>
+          </p:nvPr>
+        </p:nvSpPr>
+        <p:spPr/>
+        <p:txBody>
+          <a:bodyPr/>
+          <a:lstStyle/>
+          <a:p>
+            <a:r>
+              <a:rPr lang="en-US" dirty="0"/>
+              <a:t>JDK 22</a:t>
+            </a:r>
+          </a:p>
+          <a:p>
+            <a:r>
+              <a:rPr lang="en-US" dirty="0"/>
+              <a:t>IDE: IntelliJ</a:t>
+            </a:r>
+          </a:p>
+          <a:p>
+            <a:r>
+              <a:rPr lang="en-US" dirty="0">
+                <a:hlinkClick r:id="rId3"/>
+              </a:rPr>
+              <a:t>https://github.com/venturousman/miu-mpp-library</a:t>
+            </a:r>
+            <a:endParaRPr lang="en-US" dirty="0"/>
+          </a:p>
+          <a:p>
+            <a:r>
+              <a:rPr lang="en-US" dirty="0"/>
+              <a:t>Branch</a:t>
+            </a:r>
+            <a:r>
+              <a:rPr lang="en-US"/>
+              <a:t>: master</a:t>
+            </a:r>
+            <a:endParaRPr lang="en-US" dirty="0"/>
+          </a:p>
+          <a:p>
+            <a:endParaRPr lang="en-US" dirty="0"/>
+          </a:p>
+        </p:txBody>
+      </p:sp>
+    </p:spTree>
+    <p:extLst>
+      <p:ext uri="{BB962C8B-B14F-4D97-AF65-F5344CB8AC3E}">
+        <p14:creationId xmlns:p14="http://schemas.microsoft.com/office/powerpoint/2010/main" val="1318002159"/>
+      </p:ext>
+    </p:extLst>
+  </p:cSld>
+  <p:clrMapOvr>
+    <a:masterClrMapping/>
+  </p:clrMapOvr>
+</p:sld>
+</file>
+
+<file path=ppt/slides/slide15.xml><?xml version="1.0" encoding="utf-8"?>
+<p:sld xmlns:a="http://schemas.openxmlformats.org/drawingml/2006/main" xmlns:r="http://schemas.openxmlformats.org/officeDocument/2006/relationships" xmlns:p="http://schemas.openxmlformats.org/presentationml/2006/main">
+  <p:cSld>
+    <p:spTree>
+      <p:nvGrpSpPr>
+        <p:cNvPr id="1" name=""/>
+        <p:cNvGrpSpPr/>
+        <p:nvPr/>
+      </p:nvGrpSpPr>
+      <p:grpSpPr>
+        <a:xfrm>
+          <a:off x="0" y="0"/>
+          <a:ext cx="0" cy="0"/>
+          <a:chOff x="0" y="0"/>
+          <a:chExt cx="0" cy="0"/>
+        </a:xfrm>
+      </p:grpSpPr>
+      <p:sp>
+        <p:nvSpPr>
+          <p:cNvPr id="2" name="Title 1">
+            <a:extLst>
+              <a:ext uri="{FF2B5EF4-FFF2-40B4-BE49-F238E27FC236}">
+                <a16:creationId xmlns:a16="http://schemas.microsoft.com/office/drawing/2014/main" id="{BADB940F-FCE0-BEC9-DC71-6D0A6C083FC1}"/>
+              </a:ext>
+            </a:extLst>
+          </p:cNvPr>
+          <p:cNvSpPr>
+            <a:spLocks noGrp="1"/>
+          </p:cNvSpPr>
+          <p:nvPr>
+            <p:ph type="title"/>
+          </p:nvPr>
+        </p:nvSpPr>
+        <p:spPr/>
+        <p:txBody>
+          <a:bodyPr/>
+          <a:lstStyle/>
+          <a:p>
+            <a:r>
+              <a:rPr lang="en-US" dirty="0"/>
+              <a:t>Thanks for listening</a:t>
+            </a:r>
+          </a:p>
+        </p:txBody>
+      </p:sp>
+      <p:pic>
+        <p:nvPicPr>
+          <p:cNvPr id="5" name="Content Placeholder 4" descr="A close-up of words&#10;&#10;Description automatically generated">
+            <a:extLst>
+              <a:ext uri="{FF2B5EF4-FFF2-40B4-BE49-F238E27FC236}">
+                <a16:creationId xmlns:a16="http://schemas.microsoft.com/office/drawing/2014/main" id="{8A06B371-DE1F-1721-4E04-08D5C0C958D1}"/>
+              </a:ext>
+            </a:extLst>
+          </p:cNvPr>
+          <p:cNvPicPr>
+            <a:picLocks noGrp="1" noChangeAspect="1"/>
+          </p:cNvPicPr>
+          <p:nvPr>
+            <p:ph idx="1"/>
+          </p:nvPr>
+        </p:nvPicPr>
+        <p:blipFill>
+          <a:blip r:embed="rId2">
+            <a:extLst>
+              <a:ext uri="{28A0092B-C50C-407E-A947-70E740481C1C}">
+                <a14:useLocalDpi xmlns:a14="http://schemas.microsoft.com/office/drawing/2010/main" val="0"/>
+              </a:ext>
+              <a:ext uri="{837473B0-CC2E-450A-ABE3-18F120FF3D39}">
+                <a1611:picAttrSrcUrl xmlns:a1611="http://schemas.microsoft.com/office/drawing/2016/11/main" r:id="rId3"/>
+              </a:ext>
+            </a:extLst>
+          </a:blip>
+          <a:stretch>
+            <a:fillRect/>
+          </a:stretch>
+        </p:blipFill>
+        <p:spPr>
+          <a:xfrm>
+            <a:off x="2242045" y="2011363"/>
+            <a:ext cx="7707910" cy="4160837"/>
+          </a:xfrm>
+        </p:spPr>
+      </p:pic>
+      <p:sp>
+        <p:nvSpPr>
+          <p:cNvPr id="6" name="TextBox 5">
+            <a:extLst>
+              <a:ext uri="{FF2B5EF4-FFF2-40B4-BE49-F238E27FC236}">
+                <a16:creationId xmlns:a16="http://schemas.microsoft.com/office/drawing/2014/main" id="{542BE010-7812-EDF9-5234-9D9D2BC46735}"/>
+              </a:ext>
+            </a:extLst>
+          </p:cNvPr>
+          <p:cNvSpPr txBox="1"/>
+          <p:nvPr/>
+        </p:nvSpPr>
+        <p:spPr>
+          <a:xfrm>
+            <a:off x="2242045" y="6172200"/>
+            <a:ext cx="7707910" cy="230832"/>
+          </a:xfrm>
+          <a:prstGeom prst="rect">
+            <a:avLst/>
+          </a:prstGeom>
+          <a:noFill/>
+        </p:spPr>
+        <p:txBody>
+          <a:bodyPr wrap="square" rtlCol="0">
+            <a:spAutoFit/>
+          </a:bodyPr>
+          <a:lstStyle/>
+          <a:p>
+            <a:r>
+              <a:rPr lang="en-US" sz="900">
+                <a:hlinkClick r:id="rId3" tooltip="https://en.wikiquote.org/wiki/Gratitude"/>
+              </a:rPr>
+              <a:t>This Photo</a:t>
+            </a:r>
+            <a:r>
+              <a:rPr lang="en-US" sz="900"/>
+              <a:t> by Unknown Author is licensed under </a:t>
+            </a:r>
+            <a:r>
+              <a:rPr lang="en-US" sz="900">
+                <a:hlinkClick r:id="rId4" tooltip="https://creativecommons.org/licenses/by-sa/3.0/"/>
+              </a:rPr>
+              <a:t>CC BY-SA</a:t>
+            </a:r>
+            <a:endParaRPr lang="en-US" sz="900"/>
+          </a:p>
+        </p:txBody>
+      </p:sp>
+    </p:spTree>
+    <p:extLst>
+      <p:ext uri="{BB962C8B-B14F-4D97-AF65-F5344CB8AC3E}">
+        <p14:creationId xmlns:p14="http://schemas.microsoft.com/office/powerpoint/2010/main" val="3921828870"/>
+      </p:ext>
+    </p:extLst>
+  </p:cSld>
+  <p:clrMapOvr>
+    <a:masterClrMapping/>
+  </p:clrMapOvr>
+</p:sld>
+</file>
+
+<file path=ppt/slides/slide16.xml><?xml version="1.0" encoding="utf-8"?>
 <p:sld xmlns:a="http://schemas.openxmlformats.org/drawingml/2006/main" xmlns:r="http://schemas.openxmlformats.org/officeDocument/2006/relationships" xmlns:p="http://schemas.openxmlformats.org/presentationml/2006/main">
   <p:cSld>
     <p:spTree>
@@ -14469,7 +15582,7 @@
           <p:cNvPr id="2" name="Title 1">
             <a:extLst>
               <a:ext uri="{FF2B5EF4-FFF2-40B4-BE49-F238E27FC236}">
-                <a16:creationId xmlns:a16="http://schemas.microsoft.com/office/drawing/2014/main" id="{BFF0724C-F2DB-9671-74D5-2694FAAE1328}"/>
+                <a16:creationId xmlns:a16="http://schemas.microsoft.com/office/drawing/2014/main" id="{32A139A7-FBA9-7C80-3007-C03A99166733}"/>
               </a:ext>
             </a:extLst>
           </p:cNvPr>
@@ -14487,13 +15600,8 @@
           <a:p>
             <a:r>
               <a:rPr lang="en-US" dirty="0"/>
-              <a:t>Sequence diagram </a:t>
+              <a:t>Class diagram – New member</a:t>
             </a:r>
-            <a:r>
-              <a:rPr lang="en-US"/>
-              <a:t>1 – Checkout book</a:t>
-            </a:r>
-            <a:endParaRPr lang="en-US" dirty="0"/>
           </a:p>
         </p:txBody>
       </p:sp>
@@ -14502,7 +15610,7 @@
           <p:cNvPr id="3" name="Content Placeholder 2">
             <a:extLst>
               <a:ext uri="{FF2B5EF4-FFF2-40B4-BE49-F238E27FC236}">
-                <a16:creationId xmlns:a16="http://schemas.microsoft.com/office/drawing/2014/main" id="{69EA9374-C48D-D5AC-D673-2F8F6D032A25}"/>
+                <a16:creationId xmlns:a16="http://schemas.microsoft.com/office/drawing/2014/main" id="{C12866AF-05ED-EE2F-0292-C15524AA16FF}"/>
               </a:ext>
             </a:extLst>
           </p:cNvPr>
@@ -14525,7 +15633,7 @@
     </p:spTree>
     <p:extLst>
       <p:ext uri="{BB962C8B-B14F-4D97-AF65-F5344CB8AC3E}">
-        <p14:creationId xmlns:p14="http://schemas.microsoft.com/office/powerpoint/2010/main" val="2602425654"/>
+        <p14:creationId xmlns:p14="http://schemas.microsoft.com/office/powerpoint/2010/main" val="2026868467"/>
       </p:ext>
     </p:extLst>
   </p:cSld>
@@ -14575,17 +15683,22 @@
           <a:p>
             <a:r>
               <a:rPr lang="en-US" dirty="0"/>
-              <a:t>Sequence diagram 2 – Add book copy</a:t>
+              <a:t>Sequence diagram </a:t>
             </a:r>
+            <a:r>
+              <a:rPr lang="en-US"/>
+              <a:t>1 – Checkout book</a:t>
+            </a:r>
+            <a:endParaRPr lang="en-US" dirty="0"/>
           </a:p>
         </p:txBody>
       </p:sp>
       <p:pic>
         <p:nvPicPr>
-          <p:cNvPr id="5" name="Content Placeholder 4" descr="A diagram of a project&#10;&#10;Description automatically generated with medium confidence">
+          <p:cNvPr id="9" name="Content Placeholder 8" descr="A computer screen shot of a diagram&#10;&#10;Description automatically generated">
             <a:extLst>
               <a:ext uri="{FF2B5EF4-FFF2-40B4-BE49-F238E27FC236}">
-                <a16:creationId xmlns:a16="http://schemas.microsoft.com/office/drawing/2014/main" id="{1109EC5D-821B-3C8D-4C9F-75C57775A48A}"/>
+                <a16:creationId xmlns:a16="http://schemas.microsoft.com/office/drawing/2014/main" id="{9C853D6C-EC76-12A0-4EDC-ACE1F7D30C01}"/>
               </a:ext>
             </a:extLst>
           </p:cNvPr>
@@ -14610,15 +15723,15 @@
         </p:blipFill>
         <p:spPr>
           <a:xfrm>
-            <a:off x="3321269" y="1690688"/>
-            <a:ext cx="5408610" cy="5127420"/>
+            <a:off x="3344933" y="1280778"/>
+            <a:ext cx="5766695" cy="5680140"/>
           </a:xfrm>
         </p:spPr>
       </p:pic>
     </p:spTree>
     <p:extLst>
       <p:ext uri="{BB962C8B-B14F-4D97-AF65-F5344CB8AC3E}">
-        <p14:creationId xmlns:p14="http://schemas.microsoft.com/office/powerpoint/2010/main" val="2997283375"/>
+        <p14:creationId xmlns:p14="http://schemas.microsoft.com/office/powerpoint/2010/main" val="2602425654"/>
       </p:ext>
     </p:extLst>
   </p:cSld>
@@ -14668,17 +15781,17 @@
           <a:p>
             <a:r>
               <a:rPr lang="en-US" dirty="0"/>
-              <a:t>Sequence diagram 3 – Add member</a:t>
+              <a:t>Sequence diagram 2 – Add book copy</a:t>
             </a:r>
           </a:p>
         </p:txBody>
       </p:sp>
       <p:pic>
         <p:nvPicPr>
-          <p:cNvPr id="9" name="Content Placeholder 8" descr="A computer screen shot of a diagram&#10;&#10;Description automatically generated">
+          <p:cNvPr id="7" name="Content Placeholder 6" descr="A computer screen shot of a diagram&#10;&#10;Description automatically generated">
             <a:extLst>
               <a:ext uri="{FF2B5EF4-FFF2-40B4-BE49-F238E27FC236}">
-                <a16:creationId xmlns:a16="http://schemas.microsoft.com/office/drawing/2014/main" id="{75C4BCBB-F071-4194-F169-9AE40C79FBEC}"/>
+                <a16:creationId xmlns:a16="http://schemas.microsoft.com/office/drawing/2014/main" id="{1AAE4948-F294-DCA1-2728-793D4B1E1A1A}"/>
               </a:ext>
             </a:extLst>
           </p:cNvPr>
@@ -14703,8 +15816,101 @@
         </p:blipFill>
         <p:spPr>
           <a:xfrm>
-            <a:off x="3059062" y="1690688"/>
-            <a:ext cx="6073875" cy="5167311"/>
+            <a:off x="2543284" y="1254243"/>
+            <a:ext cx="7105431" cy="5812324"/>
+          </a:xfrm>
+        </p:spPr>
+      </p:pic>
+    </p:spTree>
+    <p:extLst>
+      <p:ext uri="{BB962C8B-B14F-4D97-AF65-F5344CB8AC3E}">
+        <p14:creationId xmlns:p14="http://schemas.microsoft.com/office/powerpoint/2010/main" val="2997283375"/>
+      </p:ext>
+    </p:extLst>
+  </p:cSld>
+  <p:clrMapOvr>
+    <a:masterClrMapping/>
+  </p:clrMapOvr>
+</p:sld>
+</file>
+
+<file path=ppt/slides/slide7.xml><?xml version="1.0" encoding="utf-8"?>
+<p:sld xmlns:a="http://schemas.openxmlformats.org/drawingml/2006/main" xmlns:r="http://schemas.openxmlformats.org/officeDocument/2006/relationships" xmlns:p="http://schemas.openxmlformats.org/presentationml/2006/main">
+  <p:cSld>
+    <p:spTree>
+      <p:nvGrpSpPr>
+        <p:cNvPr id="1" name=""/>
+        <p:cNvGrpSpPr/>
+        <p:nvPr/>
+      </p:nvGrpSpPr>
+      <p:grpSpPr>
+        <a:xfrm>
+          <a:off x="0" y="0"/>
+          <a:ext cx="0" cy="0"/>
+          <a:chOff x="0" y="0"/>
+          <a:chExt cx="0" cy="0"/>
+        </a:xfrm>
+      </p:grpSpPr>
+      <p:sp>
+        <p:nvSpPr>
+          <p:cNvPr id="2" name="Title 1">
+            <a:extLst>
+              <a:ext uri="{FF2B5EF4-FFF2-40B4-BE49-F238E27FC236}">
+                <a16:creationId xmlns:a16="http://schemas.microsoft.com/office/drawing/2014/main" id="{BFF0724C-F2DB-9671-74D5-2694FAAE1328}"/>
+              </a:ext>
+            </a:extLst>
+          </p:cNvPr>
+          <p:cNvSpPr>
+            <a:spLocks noGrp="1"/>
+          </p:cNvSpPr>
+          <p:nvPr>
+            <p:ph type="title"/>
+          </p:nvPr>
+        </p:nvSpPr>
+        <p:spPr/>
+        <p:txBody>
+          <a:bodyPr/>
+          <a:lstStyle/>
+          <a:p>
+            <a:r>
+              <a:rPr lang="en-US" dirty="0"/>
+              <a:t>Sequence diagram 3 – Add member</a:t>
+            </a:r>
+          </a:p>
+        </p:txBody>
+      </p:sp>
+      <p:pic>
+        <p:nvPicPr>
+          <p:cNvPr id="6" name="Content Placeholder 5" descr="A computer screen shot of a diagram&#10;&#10;Description automatically generated">
+            <a:extLst>
+              <a:ext uri="{FF2B5EF4-FFF2-40B4-BE49-F238E27FC236}">
+                <a16:creationId xmlns:a16="http://schemas.microsoft.com/office/drawing/2014/main" id="{6F1BACE3-E824-A92E-4555-04ADA3DF5FBE}"/>
+              </a:ext>
+            </a:extLst>
+          </p:cNvPr>
+          <p:cNvPicPr>
+            <a:picLocks noGrp="1" noChangeAspect="1"/>
+          </p:cNvPicPr>
+          <p:nvPr>
+            <p:ph idx="1"/>
+          </p:nvPr>
+        </p:nvPicPr>
+        <p:blipFill>
+          <a:blip r:embed="rId2">
+            <a:extLst>
+              <a:ext uri="{28A0092B-C50C-407E-A947-70E740481C1C}">
+                <a14:useLocalDpi xmlns:a14="http://schemas.microsoft.com/office/drawing/2010/main" val="0"/>
+              </a:ext>
+            </a:extLst>
+          </a:blip>
+          <a:stretch>
+            <a:fillRect/>
+          </a:stretch>
+        </p:blipFill>
+        <p:spPr>
+          <a:xfrm>
+            <a:off x="2613415" y="1245865"/>
+            <a:ext cx="7207845" cy="5693251"/>
           </a:xfrm>
         </p:spPr>
       </p:pic>
@@ -14721,7 +15927,7 @@
 </p:sld>
 </file>
 
-<file path=ppt/slides/slide7.xml><?xml version="1.0" encoding="utf-8"?>
+<file path=ppt/slides/slide8.xml><?xml version="1.0" encoding="utf-8"?>
 <p:sld xmlns:a="http://schemas.openxmlformats.org/drawingml/2006/main" xmlns:r="http://schemas.openxmlformats.org/officeDocument/2006/relationships" xmlns:p="http://schemas.openxmlformats.org/presentationml/2006/main">
   <p:cSld>
     <p:spTree>
@@ -14761,7 +15967,7 @@
           <a:p>
             <a:r>
               <a:rPr lang="en-US" dirty="0"/>
-              <a:t>Validation rules</a:t>
+              <a:t>Validation rules – Login form</a:t>
             </a:r>
           </a:p>
         </p:txBody>
@@ -14787,7 +15993,16 @@
           <a:bodyPr/>
           <a:lstStyle/>
           <a:p>
-            <a:endParaRPr lang="en-US"/>
+            <a:r>
+              <a:rPr lang="en-US" dirty="0"/>
+              <a:t>Username is required</a:t>
+            </a:r>
+          </a:p>
+          <a:p>
+            <a:r>
+              <a:rPr lang="en-US" dirty="0"/>
+              <a:t>Password is required</a:t>
+            </a:r>
           </a:p>
         </p:txBody>
       </p:sp>
@@ -14795,111 +16010,6 @@
     <p:extLst>
       <p:ext uri="{BB962C8B-B14F-4D97-AF65-F5344CB8AC3E}">
         <p14:creationId xmlns:p14="http://schemas.microsoft.com/office/powerpoint/2010/main" val="2242156636"/>
-      </p:ext>
-    </p:extLst>
-  </p:cSld>
-  <p:clrMapOvr>
-    <a:masterClrMapping/>
-  </p:clrMapOvr>
-</p:sld>
-</file>
-
-<file path=ppt/slides/slide8.xml><?xml version="1.0" encoding="utf-8"?>
-<p:sld xmlns:a="http://schemas.openxmlformats.org/drawingml/2006/main" xmlns:r="http://schemas.openxmlformats.org/officeDocument/2006/relationships" xmlns:p="http://schemas.openxmlformats.org/presentationml/2006/main">
-  <p:cSld>
-    <p:spTree>
-      <p:nvGrpSpPr>
-        <p:cNvPr id="1" name=""/>
-        <p:cNvGrpSpPr/>
-        <p:nvPr/>
-      </p:nvGrpSpPr>
-      <p:grpSpPr>
-        <a:xfrm>
-          <a:off x="0" y="0"/>
-          <a:ext cx="0" cy="0"/>
-          <a:chOff x="0" y="0"/>
-          <a:chExt cx="0" cy="0"/>
-        </a:xfrm>
-      </p:grpSpPr>
-      <p:sp>
-        <p:nvSpPr>
-          <p:cNvPr id="2" name="Title 1">
-            <a:extLst>
-              <a:ext uri="{FF2B5EF4-FFF2-40B4-BE49-F238E27FC236}">
-                <a16:creationId xmlns:a16="http://schemas.microsoft.com/office/drawing/2014/main" id="{062700F9-5FC1-B9B6-AE83-525FBF749F1E}"/>
-              </a:ext>
-            </a:extLst>
-          </p:cNvPr>
-          <p:cNvSpPr>
-            <a:spLocks noGrp="1"/>
-          </p:cNvSpPr>
-          <p:nvPr>
-            <p:ph type="title"/>
-          </p:nvPr>
-        </p:nvSpPr>
-        <p:spPr/>
-        <p:txBody>
-          <a:bodyPr/>
-          <a:lstStyle/>
-          <a:p>
-            <a:r>
-              <a:rPr lang="en-US"/>
-              <a:t>Demo</a:t>
-            </a:r>
-          </a:p>
-        </p:txBody>
-      </p:sp>
-      <p:sp>
-        <p:nvSpPr>
-          <p:cNvPr id="3" name="Content Placeholder 2">
-            <a:extLst>
-              <a:ext uri="{FF2B5EF4-FFF2-40B4-BE49-F238E27FC236}">
-                <a16:creationId xmlns:a16="http://schemas.microsoft.com/office/drawing/2014/main" id="{3D980B56-DB62-2FEA-938C-FC75015893AF}"/>
-              </a:ext>
-            </a:extLst>
-          </p:cNvPr>
-          <p:cNvSpPr>
-            <a:spLocks noGrp="1"/>
-          </p:cNvSpPr>
-          <p:nvPr>
-            <p:ph idx="1"/>
-          </p:nvPr>
-        </p:nvSpPr>
-        <p:spPr/>
-        <p:txBody>
-          <a:bodyPr/>
-          <a:lstStyle/>
-          <a:p>
-            <a:r>
-              <a:rPr lang="en-US" dirty="0"/>
-              <a:t>JDK 22</a:t>
-            </a:r>
-          </a:p>
-          <a:p>
-            <a:r>
-              <a:rPr lang="en-US"/>
-              <a:t>IDE: IntelliJ</a:t>
-            </a:r>
-            <a:endParaRPr lang="en-US" dirty="0"/>
-          </a:p>
-          <a:p>
-            <a:r>
-              <a:rPr lang="en-US" dirty="0">
-                <a:hlinkClick r:id="rId2"/>
-              </a:rPr>
-              <a:t>https://github.com/venturousman/miu-mpp-library</a:t>
-            </a:r>
-            <a:endParaRPr lang="en-US" dirty="0"/>
-          </a:p>
-          <a:p>
-            <a:endParaRPr lang="en-US" dirty="0"/>
-          </a:p>
-        </p:txBody>
-      </p:sp>
-    </p:spTree>
-    <p:extLst>
-      <p:ext uri="{BB962C8B-B14F-4D97-AF65-F5344CB8AC3E}">
-        <p14:creationId xmlns:p14="http://schemas.microsoft.com/office/powerpoint/2010/main" val="1318002159"/>
       </p:ext>
     </p:extLst>
   </p:cSld>
@@ -14931,7 +16041,7 @@
           <p:cNvPr id="2" name="Title 1">
             <a:extLst>
               <a:ext uri="{FF2B5EF4-FFF2-40B4-BE49-F238E27FC236}">
-                <a16:creationId xmlns:a16="http://schemas.microsoft.com/office/drawing/2014/main" id="{BADB940F-FCE0-BEC9-DC71-6D0A6C083FC1}"/>
+                <a16:creationId xmlns:a16="http://schemas.microsoft.com/office/drawing/2014/main" id="{7D5DE943-A66A-2CC8-D688-486B87D673E5}"/>
               </a:ext>
             </a:extLst>
           </p:cNvPr>
@@ -14949,101 +16059,89 @@
           <a:p>
             <a:r>
               <a:rPr lang="en-US" dirty="0"/>
-              <a:t>Thanks for listening</a:t>
+              <a:t>Validation rules – New book form</a:t>
             </a:r>
           </a:p>
         </p:txBody>
       </p:sp>
-      <p:pic>
-        <p:nvPicPr>
-          <p:cNvPr id="5" name="Content Placeholder 4" descr="A close-up of words&#10;&#10;Description automatically generated">
+      <p:sp>
+        <p:nvSpPr>
+          <p:cNvPr id="3" name="Content Placeholder 2">
             <a:extLst>
               <a:ext uri="{FF2B5EF4-FFF2-40B4-BE49-F238E27FC236}">
-                <a16:creationId xmlns:a16="http://schemas.microsoft.com/office/drawing/2014/main" id="{8A06B371-DE1F-1721-4E04-08D5C0C958D1}"/>
+                <a16:creationId xmlns:a16="http://schemas.microsoft.com/office/drawing/2014/main" id="{44B8A3AF-D0FB-5727-215A-EC5E87CAFA60}"/>
               </a:ext>
             </a:extLst>
           </p:cNvPr>
-          <p:cNvPicPr>
-            <a:picLocks noGrp="1" noChangeAspect="1"/>
-          </p:cNvPicPr>
+          <p:cNvSpPr>
+            <a:spLocks noGrp="1"/>
+          </p:cNvSpPr>
           <p:nvPr>
             <p:ph idx="1"/>
           </p:nvPr>
-        </p:nvPicPr>
-        <p:blipFill>
-          <a:blip r:embed="rId2">
-            <a:extLst>
-              <a:ext uri="{28A0092B-C50C-407E-A947-70E740481C1C}">
-                <a14:useLocalDpi xmlns:a14="http://schemas.microsoft.com/office/drawing/2010/main" val="0"/>
-              </a:ext>
-              <a:ext uri="{837473B0-CC2E-450A-ABE3-18F120FF3D39}">
-                <a1611:picAttrSrcUrl xmlns:a1611="http://schemas.microsoft.com/office/drawing/2016/11/main" r:id="rId3"/>
-              </a:ext>
-            </a:extLst>
-          </a:blip>
-          <a:stretch>
-            <a:fillRect/>
-          </a:stretch>
-        </p:blipFill>
-        <p:spPr>
-          <a:xfrm>
-            <a:off x="2242045" y="2011363"/>
-            <a:ext cx="7707910" cy="4160837"/>
-          </a:xfrm>
-        </p:spPr>
-      </p:pic>
-      <p:sp>
-        <p:nvSpPr>
-          <p:cNvPr id="6" name="TextBox 5">
-            <a:extLst>
-              <a:ext uri="{FF2B5EF4-FFF2-40B4-BE49-F238E27FC236}">
-                <a16:creationId xmlns:a16="http://schemas.microsoft.com/office/drawing/2014/main" id="{542BE010-7812-EDF9-5234-9D9D2BC46735}"/>
-              </a:ext>
-            </a:extLst>
-          </p:cNvPr>
-          <p:cNvSpPr txBox="1"/>
-          <p:nvPr/>
         </p:nvSpPr>
-        <p:spPr>
-          <a:xfrm>
-            <a:off x="2242045" y="6172200"/>
-            <a:ext cx="7707910" cy="230832"/>
-          </a:xfrm>
-          <a:prstGeom prst="rect">
-            <a:avLst/>
-          </a:prstGeom>
-          <a:noFill/>
-        </p:spPr>
+        <p:spPr/>
         <p:txBody>
-          <a:bodyPr wrap="square" rtlCol="0">
-            <a:spAutoFit/>
-          </a:bodyPr>
+          <a:bodyPr/>
           <a:lstStyle/>
           <a:p>
             <a:r>
-              <a:rPr lang="en-US" sz="900">
-                <a:hlinkClick r:id="rId3" tooltip="https://en.wikiquote.org/wiki/Gratitude"/>
-              </a:rPr>
-              <a:t>This Photo</a:t>
+              <a:rPr lang="en-US" dirty="0"/>
+              <a:t>Book title is required</a:t>
+            </a:r>
+          </a:p>
+          <a:p>
+            <a:r>
+              <a:rPr lang="en-US" dirty="0"/>
+              <a:t>Book </a:t>
             </a:r>
             <a:r>
-              <a:rPr lang="en-US" sz="900"/>
-              <a:t> by Unknown Author is licensed under </a:t>
+              <a:rPr lang="en-US" dirty="0" err="1"/>
+              <a:t>isbn</a:t>
             </a:r>
             <a:r>
-              <a:rPr lang="en-US" sz="900">
-                <a:hlinkClick r:id="rId4" tooltip="https://creativecommons.org/licenses/by-sa/3.0/"/>
-              </a:rPr>
-              <a:t>CC BY-SA</a:t>
+              <a:rPr lang="en-US" dirty="0"/>
+              <a:t> is required and valid “\d{2}-\d{5}”</a:t>
             </a:r>
-            <a:endParaRPr lang="en-US" sz="900"/>
+          </a:p>
+          <a:p>
+            <a:r>
+              <a:rPr lang="en-US" dirty="0"/>
+              <a:t>Book </a:t>
+            </a:r>
+            <a:r>
+              <a:rPr lang="en-US" dirty="0" err="1"/>
+              <a:t>isbn</a:t>
+            </a:r>
+            <a:r>
+              <a:rPr lang="en-US" dirty="0"/>
+              <a:t> is not existed</a:t>
+            </a:r>
+          </a:p>
+          <a:p>
+            <a:r>
+              <a:rPr lang="en-US" dirty="0"/>
+              <a:t>Max checkout length is required and numeric</a:t>
+            </a:r>
+          </a:p>
+          <a:p>
+            <a:r>
+              <a:rPr lang="en-US" dirty="0"/>
+              <a:t>Max checkout length is in range [1,21]</a:t>
+            </a:r>
+          </a:p>
+          <a:p>
+            <a:r>
+              <a:rPr lang="en-US" dirty="0"/>
+              <a:t>Author is required at least one</a:t>
+            </a:r>
           </a:p>
         </p:txBody>
       </p:sp>
     </p:spTree>
     <p:extLst>
       <p:ext uri="{BB962C8B-B14F-4D97-AF65-F5344CB8AC3E}">
-        <p14:creationId xmlns:p14="http://schemas.microsoft.com/office/powerpoint/2010/main" val="3921828870"/>
+        <p14:creationId xmlns:p14="http://schemas.microsoft.com/office/powerpoint/2010/main" val="3951911702"/>
       </p:ext>
     </p:extLst>
   </p:cSld>
@@ -15252,4 +16350,319 @@
     </a:ext>
   </a:extLst>
 </a:theme>
+</file>
+
+<file path=ppt/theme/theme2.xml><?xml version="1.0" encoding="utf-8"?>
+<a:theme xmlns:a="http://schemas.openxmlformats.org/drawingml/2006/main" name="Office Theme">
+  <a:themeElements>
+    <a:clrScheme name="Office">
+      <a:dk1>
+        <a:sysClr val="windowText" lastClr="000000"/>
+      </a:dk1>
+      <a:lt1>
+        <a:sysClr val="window" lastClr="FFFFFF"/>
+      </a:lt1>
+      <a:dk2>
+        <a:srgbClr val="0E2841"/>
+      </a:dk2>
+      <a:lt2>
+        <a:srgbClr val="E8E8E8"/>
+      </a:lt2>
+      <a:accent1>
+        <a:srgbClr val="156082"/>
+      </a:accent1>
+      <a:accent2>
+        <a:srgbClr val="E97132"/>
+      </a:accent2>
+      <a:accent3>
+        <a:srgbClr val="196B24"/>
+      </a:accent3>
+      <a:accent4>
+        <a:srgbClr val="0F9ED5"/>
+      </a:accent4>
+      <a:accent5>
+        <a:srgbClr val="A02B93"/>
+      </a:accent5>
+      <a:accent6>
+        <a:srgbClr val="4EA72E"/>
+      </a:accent6>
+      <a:hlink>
+        <a:srgbClr val="467886"/>
+      </a:hlink>
+      <a:folHlink>
+        <a:srgbClr val="96607D"/>
+      </a:folHlink>
+    </a:clrScheme>
+    <a:fontScheme name="Office">
+      <a:majorFont>
+        <a:latin typeface="Aptos Display" panose="02110004020202020204"/>
+        <a:ea typeface=""/>
+        <a:cs typeface=""/>
+        <a:font script="Jpan" typeface="游ゴシック Light"/>
+        <a:font script="Hang" typeface="맑은 고딕"/>
+        <a:font script="Hans" typeface="等线 Light"/>
+        <a:font script="Hant" typeface="新細明體"/>
+        <a:font script="Arab" typeface="Times New Roman"/>
+        <a:font script="Hebr" typeface="Times New Roman"/>
+        <a:font script="Thai" typeface="Angsana New"/>
+        <a:font script="Ethi" typeface="Nyala"/>
+        <a:font script="Beng" typeface="Vrinda"/>
+        <a:font script="Gujr" typeface="Shruti"/>
+        <a:font script="Khmr" typeface="MoolBoran"/>
+        <a:font script="Knda" typeface="Tunga"/>
+        <a:font script="Guru" typeface="Raavi"/>
+        <a:font script="Cans" typeface="Euphemia"/>
+        <a:font script="Cher" typeface="Plantagenet Cherokee"/>
+        <a:font script="Yiii" typeface="Microsoft Yi Baiti"/>
+        <a:font script="Tibt" typeface="Microsoft Himalaya"/>
+        <a:font script="Thaa" typeface="MV Boli"/>
+        <a:font script="Deva" typeface="Mangal"/>
+        <a:font script="Telu" typeface="Gautami"/>
+        <a:font script="Taml" typeface="Latha"/>
+        <a:font script="Syrc" typeface="Estrangelo Edessa"/>
+        <a:font script="Orya" typeface="Kalinga"/>
+        <a:font script="Mlym" typeface="Kartika"/>
+        <a:font script="Laoo" typeface="DokChampa"/>
+        <a:font script="Sinh" typeface="Iskoola Pota"/>
+        <a:font script="Mong" typeface="Mongolian Baiti"/>
+        <a:font script="Viet" typeface="Times New Roman"/>
+        <a:font script="Uigh" typeface="Microsoft Uighur"/>
+        <a:font script="Geor" typeface="Sylfaen"/>
+        <a:font script="Armn" typeface="Arial"/>
+        <a:font script="Bugi" typeface="Leelawadee UI"/>
+        <a:font script="Bopo" typeface="Microsoft JhengHei"/>
+        <a:font script="Java" typeface="Javanese Text"/>
+        <a:font script="Lisu" typeface="Segoe UI"/>
+        <a:font script="Mymr" typeface="Myanmar Text"/>
+        <a:font script="Nkoo" typeface="Ebrima"/>
+        <a:font script="Olck" typeface="Nirmala UI"/>
+        <a:font script="Osma" typeface="Ebrima"/>
+        <a:font script="Phag" typeface="Phagspa"/>
+        <a:font script="Syrn" typeface="Estrangelo Edessa"/>
+        <a:font script="Syrj" typeface="Estrangelo Edessa"/>
+        <a:font script="Syre" typeface="Estrangelo Edessa"/>
+        <a:font script="Sora" typeface="Nirmala UI"/>
+        <a:font script="Tale" typeface="Microsoft Tai Le"/>
+        <a:font script="Talu" typeface="Microsoft New Tai Lue"/>
+        <a:font script="Tfng" typeface="Ebrima"/>
+      </a:majorFont>
+      <a:minorFont>
+        <a:latin typeface="Aptos" panose="02110004020202020204"/>
+        <a:ea typeface=""/>
+        <a:cs typeface=""/>
+        <a:font script="Jpan" typeface="游ゴシック"/>
+        <a:font script="Hang" typeface="맑은 고딕"/>
+        <a:font script="Hans" typeface="等线"/>
+        <a:font script="Hant" typeface="新細明體"/>
+        <a:font script="Arab" typeface="Arial"/>
+        <a:font script="Hebr" typeface="Arial"/>
+        <a:font script="Thai" typeface="Cordia New"/>
+        <a:font script="Ethi" typeface="Nyala"/>
+        <a:font script="Beng" typeface="Vrinda"/>
+        <a:font script="Gujr" typeface="Shruti"/>
+        <a:font script="Khmr" typeface="DaunPenh"/>
+        <a:font script="Knda" typeface="Tunga"/>
+        <a:font script="Guru" typeface="Raavi"/>
+        <a:font script="Cans" typeface="Euphemia"/>
+        <a:font script="Cher" typeface="Plantagenet Cherokee"/>
+        <a:font script="Yiii" typeface="Microsoft Yi Baiti"/>
+        <a:font script="Tibt" typeface="Microsoft Himalaya"/>
+        <a:font script="Thaa" typeface="MV Boli"/>
+        <a:font script="Deva" typeface="Mangal"/>
+        <a:font script="Telu" typeface="Gautami"/>
+        <a:font script="Taml" typeface="Latha"/>
+        <a:font script="Syrc" typeface="Estrangelo Edessa"/>
+        <a:font script="Orya" typeface="Kalinga"/>
+        <a:font script="Mlym" typeface="Kartika"/>
+        <a:font script="Laoo" typeface="DokChampa"/>
+        <a:font script="Sinh" typeface="Iskoola Pota"/>
+        <a:font script="Mong" typeface="Mongolian Baiti"/>
+        <a:font script="Viet" typeface="Arial"/>
+        <a:font script="Uigh" typeface="Microsoft Uighur"/>
+        <a:font script="Geor" typeface="Sylfaen"/>
+        <a:font script="Armn" typeface="Arial"/>
+        <a:font script="Bugi" typeface="Leelawadee UI"/>
+        <a:font script="Bopo" typeface="Microsoft JhengHei"/>
+        <a:font script="Java" typeface="Javanese Text"/>
+        <a:font script="Lisu" typeface="Segoe UI"/>
+        <a:font script="Mymr" typeface="Myanmar Text"/>
+        <a:font script="Nkoo" typeface="Ebrima"/>
+        <a:font script="Olck" typeface="Nirmala UI"/>
+        <a:font script="Osma" typeface="Ebrima"/>
+        <a:font script="Phag" typeface="Phagspa"/>
+        <a:font script="Syrn" typeface="Estrangelo Edessa"/>
+        <a:font script="Syrj" typeface="Estrangelo Edessa"/>
+        <a:font script="Syre" typeface="Estrangelo Edessa"/>
+        <a:font script="Sora" typeface="Nirmala UI"/>
+        <a:font script="Tale" typeface="Microsoft Tai Le"/>
+        <a:font script="Talu" typeface="Microsoft New Tai Lue"/>
+        <a:font script="Tfng" typeface="Ebrima"/>
+      </a:minorFont>
+    </a:fontScheme>
+    <a:fmtScheme name="Office">
+      <a:fillStyleLst>
+        <a:solidFill>
+          <a:schemeClr val="phClr"/>
+        </a:solidFill>
+        <a:gradFill rotWithShape="1">
+          <a:gsLst>
+            <a:gs pos="0">
+              <a:schemeClr val="phClr">
+                <a:lumMod val="110000"/>
+                <a:satMod val="105000"/>
+                <a:tint val="67000"/>
+              </a:schemeClr>
+            </a:gs>
+            <a:gs pos="50000">
+              <a:schemeClr val="phClr">
+                <a:lumMod val="105000"/>
+                <a:satMod val="103000"/>
+                <a:tint val="73000"/>
+              </a:schemeClr>
+            </a:gs>
+            <a:gs pos="100000">
+              <a:schemeClr val="phClr">
+                <a:lumMod val="105000"/>
+                <a:satMod val="109000"/>
+                <a:tint val="81000"/>
+              </a:schemeClr>
+            </a:gs>
+          </a:gsLst>
+          <a:lin ang="5400000" scaled="0"/>
+        </a:gradFill>
+        <a:gradFill rotWithShape="1">
+          <a:gsLst>
+            <a:gs pos="0">
+              <a:schemeClr val="phClr">
+                <a:satMod val="103000"/>
+                <a:lumMod val="102000"/>
+                <a:tint val="94000"/>
+              </a:schemeClr>
+            </a:gs>
+            <a:gs pos="50000">
+              <a:schemeClr val="phClr">
+                <a:satMod val="110000"/>
+                <a:lumMod val="100000"/>
+                <a:shade val="100000"/>
+              </a:schemeClr>
+            </a:gs>
+            <a:gs pos="100000">
+              <a:schemeClr val="phClr">
+                <a:lumMod val="99000"/>
+                <a:satMod val="120000"/>
+                <a:shade val="78000"/>
+              </a:schemeClr>
+            </a:gs>
+          </a:gsLst>
+          <a:lin ang="5400000" scaled="0"/>
+        </a:gradFill>
+      </a:fillStyleLst>
+      <a:lnStyleLst>
+        <a:ln w="12700" cap="flat" cmpd="sng" algn="ctr">
+          <a:solidFill>
+            <a:schemeClr val="phClr"/>
+          </a:solidFill>
+          <a:prstDash val="solid"/>
+          <a:miter lim="800000"/>
+        </a:ln>
+        <a:ln w="19050" cap="flat" cmpd="sng" algn="ctr">
+          <a:solidFill>
+            <a:schemeClr val="phClr"/>
+          </a:solidFill>
+          <a:prstDash val="solid"/>
+          <a:miter lim="800000"/>
+        </a:ln>
+        <a:ln w="25400" cap="flat" cmpd="sng" algn="ctr">
+          <a:solidFill>
+            <a:schemeClr val="phClr"/>
+          </a:solidFill>
+          <a:prstDash val="solid"/>
+          <a:miter lim="800000"/>
+        </a:ln>
+      </a:lnStyleLst>
+      <a:effectStyleLst>
+        <a:effectStyle>
+          <a:effectLst/>
+        </a:effectStyle>
+        <a:effectStyle>
+          <a:effectLst/>
+        </a:effectStyle>
+        <a:effectStyle>
+          <a:effectLst>
+            <a:outerShdw blurRad="57150" dist="19050" dir="5400000" algn="ctr" rotWithShape="0">
+              <a:srgbClr val="000000">
+                <a:alpha val="63000"/>
+              </a:srgbClr>
+            </a:outerShdw>
+          </a:effectLst>
+        </a:effectStyle>
+      </a:effectStyleLst>
+      <a:bgFillStyleLst>
+        <a:solidFill>
+          <a:schemeClr val="phClr"/>
+        </a:solidFill>
+        <a:solidFill>
+          <a:schemeClr val="phClr">
+            <a:tint val="95000"/>
+            <a:satMod val="170000"/>
+          </a:schemeClr>
+        </a:solidFill>
+        <a:gradFill rotWithShape="1">
+          <a:gsLst>
+            <a:gs pos="0">
+              <a:schemeClr val="phClr">
+                <a:tint val="93000"/>
+                <a:satMod val="150000"/>
+                <a:shade val="98000"/>
+                <a:lumMod val="102000"/>
+              </a:schemeClr>
+            </a:gs>
+            <a:gs pos="50000">
+              <a:schemeClr val="phClr">
+                <a:tint val="98000"/>
+                <a:satMod val="130000"/>
+                <a:shade val="90000"/>
+                <a:lumMod val="103000"/>
+              </a:schemeClr>
+            </a:gs>
+            <a:gs pos="100000">
+              <a:schemeClr val="phClr">
+                <a:shade val="63000"/>
+                <a:satMod val="120000"/>
+              </a:schemeClr>
+            </a:gs>
+          </a:gsLst>
+          <a:lin ang="5400000" scaled="0"/>
+        </a:gradFill>
+      </a:bgFillStyleLst>
+    </a:fmtScheme>
+  </a:themeElements>
+  <a:objectDefaults>
+    <a:lnDef>
+      <a:spPr/>
+      <a:bodyPr/>
+      <a:lstStyle/>
+      <a:style>
+        <a:lnRef idx="2">
+          <a:schemeClr val="accent1"/>
+        </a:lnRef>
+        <a:fillRef idx="0">
+          <a:schemeClr val="accent1"/>
+        </a:fillRef>
+        <a:effectRef idx="1">
+          <a:schemeClr val="accent1"/>
+        </a:effectRef>
+        <a:fontRef idx="minor">
+          <a:schemeClr val="tx1"/>
+        </a:fontRef>
+      </a:style>
+    </a:lnDef>
+  </a:objectDefaults>
+  <a:extraClrSchemeLst/>
+  <a:extLst>
+    <a:ext uri="{05A4C25C-085E-4340-85A3-A5531E510DB2}">
+      <thm15:themeFamily xmlns:thm15="http://schemas.microsoft.com/office/thememl/2012/main" name="Office Theme" id="{2E142A2C-CD16-42D6-873A-C26D2A0506FA}" vid="{1BDDFF52-6CD6-40A5-AB3C-68EB2F1E4D0A}"/>
+    </a:ext>
+  </a:extLst>
+</a:theme>
 </file>
--- a/documents/Group 7 Library Application Presentation.pptx
+++ b/documents/Group 7 Library Application Presentation.pptx
@@ -5,7 +5,7 @@
     <p:sldMasterId id="2147483739" r:id="rId1"/>
   </p:sldMasterIdLst>
   <p:notesMasterIdLst>
-    <p:notesMasterId r:id="rId18"/>
+    <p:notesMasterId r:id="rId19"/>
   </p:notesMasterIdLst>
   <p:sldIdLst>
     <p:sldId id="256" r:id="rId2"/>
@@ -20,10 +20,11 @@
     <p:sldId id="267" r:id="rId11"/>
     <p:sldId id="268" r:id="rId12"/>
     <p:sldId id="269" r:id="rId13"/>
-    <p:sldId id="270" r:id="rId14"/>
-    <p:sldId id="262" r:id="rId15"/>
-    <p:sldId id="263" r:id="rId16"/>
-    <p:sldId id="264" r:id="rId17"/>
+    <p:sldId id="272" r:id="rId14"/>
+    <p:sldId id="270" r:id="rId15"/>
+    <p:sldId id="262" r:id="rId16"/>
+    <p:sldId id="263" r:id="rId17"/>
+    <p:sldId id="264" r:id="rId18"/>
   </p:sldIdLst>
   <p:sldSz cx="12192000" cy="6858000"/>
   <p:notesSz cx="6858000" cy="9144000"/>
@@ -212,7 +213,7 @@
           <a:p>
             <a:fld id="{B59E37F5-7850-4AD9-B5A3-5A00D5589004}" type="datetimeFigureOut">
               <a:rPr lang="en-US" smtClean="0"/>
-              <a:t>9/14/2024</a:t>
+              <a:t>9/15/2024</a:t>
             </a:fld>
             <a:endParaRPr lang="en-US"/>
           </a:p>
@@ -544,7 +545,7 @@
           <a:p>
             <a:fld id="{3570B872-D048-48F0-B6CE-3044DDEB1A82}" type="slidenum">
               <a:rPr lang="en-US" smtClean="0"/>
-              <a:t>14</a:t>
+              <a:t>15</a:t>
             </a:fld>
             <a:endParaRPr lang="en-US"/>
           </a:p>
@@ -2910,7 +2911,7 @@
           <a:p>
             <a:fld id="{3C04E684-10F4-4CC3-A0B9-F03AA7BE37CF}" type="datetimeFigureOut">
               <a:rPr lang="en-US" smtClean="0"/>
-              <a:t>9/14/2024</a:t>
+              <a:t>9/15/2024</a:t>
             </a:fld>
             <a:endParaRPr lang="en-US"/>
           </a:p>
@@ -5400,7 +5401,7 @@
           <a:p>
             <a:fld id="{3C04E684-10F4-4CC3-A0B9-F03AA7BE37CF}" type="datetimeFigureOut">
               <a:rPr lang="en-US" smtClean="0"/>
-              <a:t>9/14/2024</a:t>
+              <a:t>9/15/2024</a:t>
             </a:fld>
             <a:endParaRPr lang="en-US"/>
           </a:p>
@@ -5598,7 +5599,7 @@
           <a:p>
             <a:fld id="{3C04E684-10F4-4CC3-A0B9-F03AA7BE37CF}" type="datetimeFigureOut">
               <a:rPr lang="en-US" smtClean="0"/>
-              <a:t>9/14/2024</a:t>
+              <a:t>9/15/2024</a:t>
             </a:fld>
             <a:endParaRPr lang="en-US"/>
           </a:p>
@@ -5806,7 +5807,7 @@
           <a:p>
             <a:fld id="{3C04E684-10F4-4CC3-A0B9-F03AA7BE37CF}" type="datetimeFigureOut">
               <a:rPr lang="en-US" smtClean="0"/>
-              <a:t>9/14/2024</a:t>
+              <a:t>9/15/2024</a:t>
             </a:fld>
             <a:endParaRPr lang="en-US"/>
           </a:p>
@@ -6543,7 +6544,7 @@
           <a:p>
             <a:fld id="{3C04E684-10F4-4CC3-A0B9-F03AA7BE37CF}" type="datetimeFigureOut">
               <a:rPr lang="en-US" smtClean="0"/>
-              <a:t>9/14/2024</a:t>
+              <a:t>9/15/2024</a:t>
             </a:fld>
             <a:endParaRPr lang="en-US"/>
           </a:p>
@@ -7185,7 +7186,7 @@
           <a:p>
             <a:fld id="{3C04E684-10F4-4CC3-A0B9-F03AA7BE37CF}" type="datetimeFigureOut">
               <a:rPr lang="en-US" smtClean="0"/>
-              <a:t>9/14/2024</a:t>
+              <a:t>9/15/2024</a:t>
             </a:fld>
             <a:endParaRPr lang="en-US"/>
           </a:p>
@@ -7985,7 +7986,7 @@
           <a:p>
             <a:fld id="{3C04E684-10F4-4CC3-A0B9-F03AA7BE37CF}" type="datetimeFigureOut">
               <a:rPr lang="en-US" smtClean="0"/>
-              <a:t>9/14/2024</a:t>
+              <a:t>9/15/2024</a:t>
             </a:fld>
             <a:endParaRPr lang="en-US"/>
           </a:p>
@@ -8936,7 +8937,7 @@
           <a:p>
             <a:fld id="{3C04E684-10F4-4CC3-A0B9-F03AA7BE37CF}" type="datetimeFigureOut">
               <a:rPr lang="en-US" smtClean="0"/>
-              <a:t>9/14/2024</a:t>
+              <a:t>9/15/2024</a:t>
             </a:fld>
             <a:endParaRPr lang="en-US"/>
           </a:p>
@@ -11285,7 +11286,7 @@
           <a:p>
             <a:fld id="{3C04E684-10F4-4CC3-A0B9-F03AA7BE37CF}" type="datetimeFigureOut">
               <a:rPr lang="en-US" smtClean="0"/>
-              <a:t>9/14/2024</a:t>
+              <a:t>9/15/2024</a:t>
             </a:fld>
             <a:endParaRPr lang="en-US"/>
           </a:p>
@@ -11398,7 +11399,7 @@
           <a:p>
             <a:fld id="{3C04E684-10F4-4CC3-A0B9-F03AA7BE37CF}" type="datetimeFigureOut">
               <a:rPr lang="en-US" smtClean="0"/>
-              <a:t>9/14/2024</a:t>
+              <a:t>9/15/2024</a:t>
             </a:fld>
             <a:endParaRPr lang="en-US"/>
           </a:p>
@@ -11905,7 +11906,7 @@
           <a:p>
             <a:fld id="{3C04E684-10F4-4CC3-A0B9-F03AA7BE37CF}" type="datetimeFigureOut">
               <a:rPr lang="en-US" smtClean="0"/>
-              <a:t>9/14/2024</a:t>
+              <a:t>9/15/2024</a:t>
             </a:fld>
             <a:endParaRPr lang="en-US"/>
           </a:p>
@@ -13208,7 +13209,7 @@
           <a:p>
             <a:fld id="{3C04E684-10F4-4CC3-A0B9-F03AA7BE37CF}" type="datetimeFigureOut">
               <a:rPr lang="en-US" smtClean="0"/>
-              <a:t>9/14/2024</a:t>
+              <a:t>9/15/2024</a:t>
             </a:fld>
             <a:endParaRPr lang="en-US"/>
           </a:p>
@@ -13455,7 +13456,7 @@
           <a:p>
             <a:fld id="{3C04E684-10F4-4CC3-A0B9-F03AA7BE37CF}" type="datetimeFigureOut">
               <a:rPr lang="en-US" smtClean="0"/>
-              <a:t>9/14/2024</a:t>
+              <a:t>9/15/2024</a:t>
             </a:fld>
             <a:endParaRPr lang="en-US"/>
           </a:p>
@@ -14624,7 +14625,7 @@
           <a:p>
             <a:r>
               <a:rPr lang="en-US" dirty="0"/>
-              <a:t>Member Id is required and not existed</a:t>
+              <a:t>Member Id is required and must be existed</a:t>
             </a:r>
           </a:p>
           <a:p>
@@ -14842,7 +14843,7 @@
           <a:p>
             <a:r>
               <a:rPr lang="en-US" dirty="0"/>
-              <a:t>Member id is required and existed</a:t>
+              <a:t>Member id is required and must be existed</a:t>
             </a:r>
           </a:p>
           <a:p>
@@ -14870,7 +14871,7 @@
             </a:r>
             <a:r>
               <a:rPr lang="en-US" dirty="0"/>
-              <a:t> is existed and available to checkout (has a copy is available)</a:t>
+              <a:t> must be existed and available to checkout (has a copy is available)</a:t>
             </a:r>
           </a:p>
         </p:txBody>
@@ -14910,6 +14911,116 @@
           <p:cNvPr id="2" name="Title 1">
             <a:extLst>
               <a:ext uri="{FF2B5EF4-FFF2-40B4-BE49-F238E27FC236}">
+                <a16:creationId xmlns:a16="http://schemas.microsoft.com/office/drawing/2014/main" id="{7D5DE943-A66A-2CC8-D688-486B87D673E5}"/>
+              </a:ext>
+            </a:extLst>
+          </p:cNvPr>
+          <p:cNvSpPr>
+            <a:spLocks noGrp="1"/>
+          </p:cNvSpPr>
+          <p:nvPr>
+            <p:ph type="title"/>
+          </p:nvPr>
+        </p:nvSpPr>
+        <p:spPr/>
+        <p:txBody>
+          <a:bodyPr/>
+          <a:lstStyle/>
+          <a:p>
+            <a:r>
+              <a:rPr lang="en-US" dirty="0"/>
+              <a:t>Validation rules – New author dialog</a:t>
+            </a:r>
+          </a:p>
+        </p:txBody>
+      </p:sp>
+      <p:sp>
+        <p:nvSpPr>
+          <p:cNvPr id="3" name="Content Placeholder 2">
+            <a:extLst>
+              <a:ext uri="{FF2B5EF4-FFF2-40B4-BE49-F238E27FC236}">
+                <a16:creationId xmlns:a16="http://schemas.microsoft.com/office/drawing/2014/main" id="{44B8A3AF-D0FB-5727-215A-EC5E87CAFA60}"/>
+              </a:ext>
+            </a:extLst>
+          </p:cNvPr>
+          <p:cNvSpPr>
+            <a:spLocks noGrp="1"/>
+          </p:cNvSpPr>
+          <p:nvPr>
+            <p:ph idx="1"/>
+          </p:nvPr>
+        </p:nvSpPr>
+        <p:spPr/>
+        <p:txBody>
+          <a:bodyPr/>
+          <a:lstStyle/>
+          <a:p>
+            <a:r>
+              <a:rPr lang="en-US" dirty="0"/>
+              <a:t>First name and last name are required</a:t>
+            </a:r>
+          </a:p>
+          <a:p>
+            <a:r>
+              <a:rPr lang="en-US" dirty="0"/>
+              <a:t>Telephone is required and valid “\d{3}-\d{3}-\d{4}”</a:t>
+            </a:r>
+          </a:p>
+          <a:p>
+            <a:r>
+              <a:rPr lang="en-US" dirty="0"/>
+              <a:t>Short bio is optional</a:t>
+            </a:r>
+          </a:p>
+          <a:p>
+            <a:r>
+              <a:rPr lang="en-US" dirty="0"/>
+              <a:t>Street, city, and state are required</a:t>
+            </a:r>
+          </a:p>
+          <a:p>
+            <a:r>
+              <a:rPr lang="en-US" dirty="0"/>
+              <a:t>Zip is required and numeric</a:t>
+            </a:r>
+          </a:p>
+        </p:txBody>
+      </p:sp>
+    </p:spTree>
+    <p:extLst>
+      <p:ext uri="{BB962C8B-B14F-4D97-AF65-F5344CB8AC3E}">
+        <p14:creationId xmlns:p14="http://schemas.microsoft.com/office/powerpoint/2010/main" val="1825277400"/>
+      </p:ext>
+    </p:extLst>
+  </p:cSld>
+  <p:clrMapOvr>
+    <a:masterClrMapping/>
+  </p:clrMapOvr>
+</p:sld>
+</file>
+
+<file path=ppt/slides/slide14.xml><?xml version="1.0" encoding="utf-8"?>
+<p:sld xmlns:a="http://schemas.openxmlformats.org/drawingml/2006/main" xmlns:r="http://schemas.openxmlformats.org/officeDocument/2006/relationships" xmlns:p="http://schemas.openxmlformats.org/presentationml/2006/main">
+  <p:cSld>
+    <p:spTree>
+      <p:nvGrpSpPr>
+        <p:cNvPr id="1" name=""/>
+        <p:cNvGrpSpPr/>
+        <p:nvPr/>
+      </p:nvGrpSpPr>
+      <p:grpSpPr>
+        <a:xfrm>
+          <a:off x="0" y="0"/>
+          <a:ext cx="0" cy="0"/>
+          <a:chOff x="0" y="0"/>
+          <a:chExt cx="0" cy="0"/>
+        </a:xfrm>
+      </p:grpSpPr>
+      <p:sp>
+        <p:nvSpPr>
+          <p:cNvPr id="2" name="Title 1">
+            <a:extLst>
+              <a:ext uri="{FF2B5EF4-FFF2-40B4-BE49-F238E27FC236}">
                 <a16:creationId xmlns:a16="http://schemas.microsoft.com/office/drawing/2014/main" id="{E74D6E2E-3163-5E1C-458B-3BBC14B28CF8}"/>
               </a:ext>
             </a:extLst>
@@ -14951,10 +15062,21 @@
         </p:nvSpPr>
         <p:spPr/>
         <p:txBody>
-          <a:bodyPr/>
+          <a:bodyPr>
+            <a:normAutofit fontScale="62500" lnSpcReduction="20000"/>
+          </a:bodyPr>
           <a:lstStyle/>
           <a:p>
-            <a:endParaRPr lang="en-US" dirty="0"/>
+            <a:r>
+              <a:rPr lang="en-US" dirty="0"/>
+              <a:t>In the library system, everything works in an orderly and structured way. The library has books and members. A member only could borrow/checkout a book if it was available…Similarly, the consciousness in STC principle, at its most fundamental level, embodies orderliness and coherence. The same as the library system requires clear rules and structured data to operate properly, the Science and Technology of Consciousness emphasizes that the mind, when in a state of relaxed awareness (as achieved through practicing Transcendental Meditation), naturally aligns with universal principles of order. This alignment enables one to manage their thoughts and actions more effectively, similar to the way a library system manages its resources.</a:t>
+            </a:r>
+          </a:p>
+          <a:p>
+            <a:r>
+              <a:rPr lang="en-US" dirty="0"/>
+              <a:t>The process of checking out a book to a library member represents the interaction and connection between different components of the system. In STC, this can be compared to the concept of the Unified Field, where all aspects of life are interconnected at a fundamental level of pure consciousness. When a member checks out a book, it affects the availability of the book and the member’s borrowing history. Similarly, STC suggests that our consciousness is part of a unified field, where every thought and action resonates throughout the whole system of consciousness, impacting individual and group experience.</a:t>
+            </a:r>
           </a:p>
         </p:txBody>
       </p:sp>
@@ -14971,7 +15093,7 @@
 </p:sld>
 </file>
 
-<file path=ppt/slides/slide14.xml><?xml version="1.0" encoding="utf-8"?>
+<file path=ppt/slides/slide15.xml><?xml version="1.0" encoding="utf-8"?>
 <p:sld xmlns:a="http://schemas.openxmlformats.org/drawingml/2006/main" xmlns:r="http://schemas.openxmlformats.org/officeDocument/2006/relationships" xmlns:p="http://schemas.openxmlformats.org/presentationml/2006/main">
   <p:cSld>
     <p:spTree>
@@ -15059,14 +15181,13 @@
           </a:p>
           <a:p>
             <a:r>
-              <a:rPr lang="en-US" dirty="0"/>
-              <a:t>Branch</a:t>
+              <a:rPr lang="en-US"/>
+              <a:t>Git branch</a:t>
             </a:r>
             <a:r>
-              <a:rPr lang="en-US"/>
+              <a:rPr lang="en-US" dirty="0"/>
               <a:t>: master</a:t>
             </a:r>
-            <a:endParaRPr lang="en-US" dirty="0"/>
           </a:p>
           <a:p>
             <a:endParaRPr lang="en-US" dirty="0"/>
@@ -15086,7 +15207,7 @@
 </p:sld>
 </file>
 
-<file path=ppt/slides/slide15.xml><?xml version="1.0" encoding="utf-8"?>
+<file path=ppt/slides/slide16.xml><?xml version="1.0" encoding="utf-8"?>
 <p:sld xmlns:a="http://schemas.openxmlformats.org/drawingml/2006/main" xmlns:r="http://schemas.openxmlformats.org/officeDocument/2006/relationships" xmlns:p="http://schemas.openxmlformats.org/presentationml/2006/main">
   <p:cSld>
     <p:spTree>
@@ -15230,7 +15351,7 @@
 </p:sld>
 </file>
 
-<file path=ppt/slides/slide16.xml><?xml version="1.0" encoding="utf-8"?>
+<file path=ppt/slides/slide17.xml><?xml version="1.0" encoding="utf-8"?>
 <p:sld xmlns:a="http://schemas.openxmlformats.org/drawingml/2006/main" xmlns:r="http://schemas.openxmlformats.org/officeDocument/2006/relationships" xmlns:p="http://schemas.openxmlformats.org/presentationml/2006/main">
   <p:cSld>
     <p:spTree>
@@ -15542,8 +15663,8 @@
         </p:blipFill>
         <p:spPr>
           <a:xfrm>
-            <a:off x="2033170" y="2011363"/>
-            <a:ext cx="8125660" cy="4160837"/>
+            <a:off x="1460794" y="2011363"/>
+            <a:ext cx="9464952" cy="4846637"/>
           </a:xfrm>
         </p:spPr>
       </p:pic>
@@ -15605,31 +15726,41 @@
           </a:p>
         </p:txBody>
       </p:sp>
-      <p:sp>
-        <p:nvSpPr>
-          <p:cNvPr id="3" name="Content Placeholder 2">
+      <p:pic>
+        <p:nvPicPr>
+          <p:cNvPr id="5" name="Content Placeholder 4" descr="A diagram of a company&#10;&#10;Description automatically generated">
             <a:extLst>
               <a:ext uri="{FF2B5EF4-FFF2-40B4-BE49-F238E27FC236}">
-                <a16:creationId xmlns:a16="http://schemas.microsoft.com/office/drawing/2014/main" id="{C12866AF-05ED-EE2F-0292-C15524AA16FF}"/>
+                <a16:creationId xmlns:a16="http://schemas.microsoft.com/office/drawing/2014/main" id="{3E89A38E-E363-9048-0BE0-A7E1036EC9D7}"/>
               </a:ext>
             </a:extLst>
           </p:cNvPr>
-          <p:cNvSpPr>
-            <a:spLocks noGrp="1"/>
-          </p:cNvSpPr>
+          <p:cNvPicPr>
+            <a:picLocks noGrp="1" noChangeAspect="1"/>
+          </p:cNvPicPr>
           <p:nvPr>
             <p:ph idx="1"/>
           </p:nvPr>
-        </p:nvSpPr>
-        <p:spPr/>
-        <p:txBody>
-          <a:bodyPr/>
-          <a:lstStyle/>
-          <a:p>
-            <a:endParaRPr lang="en-US"/>
-          </a:p>
-        </p:txBody>
-      </p:sp>
+        </p:nvPicPr>
+        <p:blipFill>
+          <a:blip r:embed="rId2">
+            <a:extLst>
+              <a:ext uri="{28A0092B-C50C-407E-A947-70E740481C1C}">
+                <a14:useLocalDpi xmlns:a14="http://schemas.microsoft.com/office/drawing/2010/main" val="0"/>
+              </a:ext>
+            </a:extLst>
+          </a:blip>
+          <a:stretch>
+            <a:fillRect/>
+          </a:stretch>
+        </p:blipFill>
+        <p:spPr>
+          <a:xfrm>
+            <a:off x="2278064" y="1389716"/>
+            <a:ext cx="7635872" cy="5692459"/>
+          </a:xfrm>
+        </p:spPr>
+      </p:pic>
     </p:spTree>
     <p:extLst>
       <p:ext uri="{BB962C8B-B14F-4D97-AF65-F5344CB8AC3E}">
@@ -15723,7 +15854,7 @@
         </p:blipFill>
         <p:spPr>
           <a:xfrm>
-            <a:off x="3344933" y="1280778"/>
+            <a:off x="3344933" y="1310273"/>
             <a:ext cx="5766695" cy="5680140"/>
           </a:xfrm>
         </p:spPr>
@@ -15816,7 +15947,7 @@
         </p:blipFill>
         <p:spPr>
           <a:xfrm>
-            <a:off x="2543284" y="1254243"/>
+            <a:off x="2543284" y="1389920"/>
             <a:ext cx="7105431" cy="5812324"/>
           </a:xfrm>
         </p:spPr>
@@ -15909,7 +16040,7 @@
         </p:blipFill>
         <p:spPr>
           <a:xfrm>
-            <a:off x="2613415" y="1245865"/>
+            <a:off x="2613415" y="1316653"/>
             <a:ext cx="7207845" cy="5693251"/>
           </a:xfrm>
         </p:spPr>
@@ -15995,13 +16126,19 @@
           <a:p>
             <a:r>
               <a:rPr lang="en-US" dirty="0"/>
-              <a:t>Username is required</a:t>
+              <a:t>Username and Password are required</a:t>
             </a:r>
           </a:p>
           <a:p>
             <a:r>
               <a:rPr lang="en-US" dirty="0"/>
-              <a:t>Password is required</a:t>
+              <a:t>Username must be existed</a:t>
+            </a:r>
+          </a:p>
+          <a:p>
+            <a:r>
+              <a:rPr lang="en-US" dirty="0"/>
+              <a:t>Password must be correct</a:t>
             </a:r>
           </a:p>
         </p:txBody>
@@ -16115,7 +16252,7 @@
             </a:r>
             <a:r>
               <a:rPr lang="en-US" dirty="0"/>
-              <a:t> is not existed</a:t>
+              <a:t> must be existed</a:t>
             </a:r>
           </a:p>
           <a:p>
@@ -16127,7 +16264,7 @@
           <a:p>
             <a:r>
               <a:rPr lang="en-US" dirty="0"/>
-              <a:t>Max checkout length is in range [1,21]</a:t>
+              <a:t>Max checkout length must be in range [1,21]</a:t>
             </a:r>
           </a:p>
           <a:p>
